--- a/Презентация.pptx
+++ b/Презентация.pptx
@@ -20,7 +20,7 @@
   <p:notesSz cx="6858000" cy="9144000"/>
   <p:defaultTextStyle>
     <a:defPPr>
-      <a:defRPr lang="ru-UA"/>
+      <a:defRPr lang="aa-ET"/>
     </a:defPPr>
     <a:lvl1pPr marL="0" algn="l" defTabSz="914400" rtl="0" eaLnBrk="1" latinLnBrk="0" hangingPunct="1">
       <a:defRPr sz="1800" kern="1200">
@@ -143,7 +143,7 @@
           <p:cNvPr id="8" name="Рисунок 7">
             <a:extLst>
               <a:ext uri="{FF2B5EF4-FFF2-40B4-BE49-F238E27FC236}">
-                <a16:creationId xmlns:a16="http://schemas.microsoft.com/office/drawing/2014/main" id="{C597A483-21F6-BDC9-5144-8583EA5FB617}"/>
+                <a16:creationId xmlns:a16="http://schemas.microsoft.com/office/drawing/2014/main" xmlns="" id="{C597A483-21F6-BDC9-5144-8583EA5FB617}"/>
               </a:ext>
             </a:extLst>
           </p:cNvPr>
@@ -153,7 +153,7 @@
           <p:nvPr userDrawn="1"/>
         </p:nvPicPr>
         <p:blipFill>
-          <a:blip r:embed="rId2">
+          <a:blip r:embed="rId2" cstate="print">
             <a:extLst>
               <a:ext uri="{28A0092B-C50C-407E-A947-70E740481C1C}">
                 <a14:useLocalDpi xmlns:a14="http://schemas.microsoft.com/office/drawing/2010/main" val="0"/>
@@ -179,7 +179,7 @@
           <p:cNvPr id="2" name="Заголовок 1">
             <a:extLst>
               <a:ext uri="{FF2B5EF4-FFF2-40B4-BE49-F238E27FC236}">
-                <a16:creationId xmlns:a16="http://schemas.microsoft.com/office/drawing/2014/main" id="{5F5A1FFA-2F9D-20BB-1E4A-2A0A1F3F6F69}"/>
+                <a16:creationId xmlns:a16="http://schemas.microsoft.com/office/drawing/2014/main" xmlns="" id="{5F5A1FFA-2F9D-20BB-1E4A-2A0A1F3F6F69}"/>
               </a:ext>
             </a:extLst>
           </p:cNvPr>
@@ -214,7 +214,7 @@
               <a:rPr lang="ru-RU" dirty="0"/>
               <a:t>Образец заголовка</a:t>
             </a:r>
-            <a:endParaRPr lang="ru-UA" dirty="0"/>
+            <a:endParaRPr lang="aa-ET" dirty="0"/>
           </a:p>
         </p:txBody>
       </p:sp>
@@ -223,7 +223,7 @@
           <p:cNvPr id="3" name="Подзаголовок 2">
             <a:extLst>
               <a:ext uri="{FF2B5EF4-FFF2-40B4-BE49-F238E27FC236}">
-                <a16:creationId xmlns:a16="http://schemas.microsoft.com/office/drawing/2014/main" id="{2319040D-A177-5D01-5B0F-9FD13FE392F5}"/>
+                <a16:creationId xmlns:a16="http://schemas.microsoft.com/office/drawing/2014/main" xmlns="" id="{2319040D-A177-5D01-5B0F-9FD13FE392F5}"/>
               </a:ext>
             </a:extLst>
           </p:cNvPr>
@@ -289,7 +289,7 @@
               <a:rPr lang="ru-RU" dirty="0"/>
               <a:t>Образец подзаголовка</a:t>
             </a:r>
-            <a:endParaRPr lang="ru-UA" dirty="0"/>
+            <a:endParaRPr lang="aa-ET" dirty="0"/>
           </a:p>
         </p:txBody>
       </p:sp>
@@ -298,7 +298,7 @@
           <p:cNvPr id="4" name="Дата 3">
             <a:extLst>
               <a:ext uri="{FF2B5EF4-FFF2-40B4-BE49-F238E27FC236}">
-                <a16:creationId xmlns:a16="http://schemas.microsoft.com/office/drawing/2014/main" id="{4BDC5D44-E179-DE8C-4CFD-9DD7AC15BDEE}"/>
+                <a16:creationId xmlns:a16="http://schemas.microsoft.com/office/drawing/2014/main" xmlns="" id="{4BDC5D44-E179-DE8C-4CFD-9DD7AC15BDEE}"/>
               </a:ext>
             </a:extLst>
           </p:cNvPr>
@@ -315,10 +315,10 @@
           <a:lstStyle/>
           <a:p>
             <a:fld id="{16444C56-C33E-40DF-9E22-53D440BA762F}" type="datetimeFigureOut">
-              <a:rPr lang="ru-UA" smtClean="0"/>
-              <a:t>04/20/2023</a:t>
+              <a:rPr lang="aa-ET" smtClean="0"/>
+              <a:t>24/04/2023</a:t>
             </a:fld>
-            <a:endParaRPr lang="ru-UA"/>
+            <a:endParaRPr lang="aa-ET"/>
           </a:p>
         </p:txBody>
       </p:sp>
@@ -327,7 +327,7 @@
           <p:cNvPr id="5" name="Нижний колонтитул 4">
             <a:extLst>
               <a:ext uri="{FF2B5EF4-FFF2-40B4-BE49-F238E27FC236}">
-                <a16:creationId xmlns:a16="http://schemas.microsoft.com/office/drawing/2014/main" id="{FC15EF29-F06B-E9BA-434B-07254B810B7C}"/>
+                <a16:creationId xmlns:a16="http://schemas.microsoft.com/office/drawing/2014/main" xmlns="" id="{FC15EF29-F06B-E9BA-434B-07254B810B7C}"/>
               </a:ext>
             </a:extLst>
           </p:cNvPr>
@@ -343,7 +343,7 @@
           <a:bodyPr/>
           <a:lstStyle/>
           <a:p>
-            <a:endParaRPr lang="ru-UA"/>
+            <a:endParaRPr lang="aa-ET"/>
           </a:p>
         </p:txBody>
       </p:sp>
@@ -352,7 +352,7 @@
           <p:cNvPr id="6" name="Номер слайда 5">
             <a:extLst>
               <a:ext uri="{FF2B5EF4-FFF2-40B4-BE49-F238E27FC236}">
-                <a16:creationId xmlns:a16="http://schemas.microsoft.com/office/drawing/2014/main" id="{F231155D-8395-0369-E08A-822261BCE22D}"/>
+                <a16:creationId xmlns:a16="http://schemas.microsoft.com/office/drawing/2014/main" xmlns="" id="{F231155D-8395-0369-E08A-822261BCE22D}"/>
               </a:ext>
             </a:extLst>
           </p:cNvPr>
@@ -369,10 +369,10 @@
           <a:lstStyle/>
           <a:p>
             <a:fld id="{AF07FB22-2331-42B5-BC4E-ACF1D7317D5D}" type="slidenum">
-              <a:rPr lang="ru-UA" smtClean="0"/>
+              <a:rPr lang="aa-ET" smtClean="0"/>
               <a:t>‹#›</a:t>
             </a:fld>
-            <a:endParaRPr lang="ru-UA"/>
+            <a:endParaRPr lang="aa-ET"/>
           </a:p>
         </p:txBody>
       </p:sp>
@@ -411,7 +411,7 @@
           <p:cNvPr id="2" name="Заголовок 1">
             <a:extLst>
               <a:ext uri="{FF2B5EF4-FFF2-40B4-BE49-F238E27FC236}">
-                <a16:creationId xmlns:a16="http://schemas.microsoft.com/office/drawing/2014/main" id="{A57BCC74-F2E6-F4FA-DF8F-7CFF6B9C857D}"/>
+                <a16:creationId xmlns:a16="http://schemas.microsoft.com/office/drawing/2014/main" xmlns="" id="{A57BCC74-F2E6-F4FA-DF8F-7CFF6B9C857D}"/>
               </a:ext>
             </a:extLst>
           </p:cNvPr>
@@ -431,7 +431,7 @@
               <a:rPr lang="ru-RU"/>
               <a:t>Образец заголовка</a:t>
             </a:r>
-            <a:endParaRPr lang="ru-UA"/>
+            <a:endParaRPr lang="aa-ET"/>
           </a:p>
         </p:txBody>
       </p:sp>
@@ -440,7 +440,7 @@
           <p:cNvPr id="3" name="Вертикальный текст 2">
             <a:extLst>
               <a:ext uri="{FF2B5EF4-FFF2-40B4-BE49-F238E27FC236}">
-                <a16:creationId xmlns:a16="http://schemas.microsoft.com/office/drawing/2014/main" id="{D9084FE2-BED9-4DFF-5338-22193479061F}"/>
+                <a16:creationId xmlns:a16="http://schemas.microsoft.com/office/drawing/2014/main" xmlns="" id="{D9084FE2-BED9-4DFF-5338-22193479061F}"/>
               </a:ext>
             </a:extLst>
           </p:cNvPr>
@@ -489,7 +489,7 @@
               <a:rPr lang="ru-RU"/>
               <a:t>Пятый уровень</a:t>
             </a:r>
-            <a:endParaRPr lang="ru-UA"/>
+            <a:endParaRPr lang="aa-ET"/>
           </a:p>
         </p:txBody>
       </p:sp>
@@ -498,7 +498,7 @@
           <p:cNvPr id="4" name="Дата 3">
             <a:extLst>
               <a:ext uri="{FF2B5EF4-FFF2-40B4-BE49-F238E27FC236}">
-                <a16:creationId xmlns:a16="http://schemas.microsoft.com/office/drawing/2014/main" id="{0777FEAC-9D9A-2D9A-5605-60B1B793C043}"/>
+                <a16:creationId xmlns:a16="http://schemas.microsoft.com/office/drawing/2014/main" xmlns="" id="{0777FEAC-9D9A-2D9A-5605-60B1B793C043}"/>
               </a:ext>
             </a:extLst>
           </p:cNvPr>
@@ -515,10 +515,10 @@
           <a:lstStyle/>
           <a:p>
             <a:fld id="{16444C56-C33E-40DF-9E22-53D440BA762F}" type="datetimeFigureOut">
-              <a:rPr lang="ru-UA" smtClean="0"/>
-              <a:t>04/20/2023</a:t>
+              <a:rPr lang="aa-ET" smtClean="0"/>
+              <a:t>24/04/2023</a:t>
             </a:fld>
-            <a:endParaRPr lang="ru-UA"/>
+            <a:endParaRPr lang="aa-ET"/>
           </a:p>
         </p:txBody>
       </p:sp>
@@ -527,7 +527,7 @@
           <p:cNvPr id="5" name="Нижний колонтитул 4">
             <a:extLst>
               <a:ext uri="{FF2B5EF4-FFF2-40B4-BE49-F238E27FC236}">
-                <a16:creationId xmlns:a16="http://schemas.microsoft.com/office/drawing/2014/main" id="{3BB4CEE2-51BF-680C-329A-B544F59237E6}"/>
+                <a16:creationId xmlns:a16="http://schemas.microsoft.com/office/drawing/2014/main" xmlns="" id="{3BB4CEE2-51BF-680C-329A-B544F59237E6}"/>
               </a:ext>
             </a:extLst>
           </p:cNvPr>
@@ -543,7 +543,7 @@
           <a:bodyPr/>
           <a:lstStyle/>
           <a:p>
-            <a:endParaRPr lang="ru-UA"/>
+            <a:endParaRPr lang="aa-ET"/>
           </a:p>
         </p:txBody>
       </p:sp>
@@ -552,7 +552,7 @@
           <p:cNvPr id="6" name="Номер слайда 5">
             <a:extLst>
               <a:ext uri="{FF2B5EF4-FFF2-40B4-BE49-F238E27FC236}">
-                <a16:creationId xmlns:a16="http://schemas.microsoft.com/office/drawing/2014/main" id="{7EB96943-DA46-0FA1-7216-6D2D71475B5E}"/>
+                <a16:creationId xmlns:a16="http://schemas.microsoft.com/office/drawing/2014/main" xmlns="" id="{7EB96943-DA46-0FA1-7216-6D2D71475B5E}"/>
               </a:ext>
             </a:extLst>
           </p:cNvPr>
@@ -569,10 +569,10 @@
           <a:lstStyle/>
           <a:p>
             <a:fld id="{AF07FB22-2331-42B5-BC4E-ACF1D7317D5D}" type="slidenum">
-              <a:rPr lang="ru-UA" smtClean="0"/>
+              <a:rPr lang="aa-ET" smtClean="0"/>
               <a:t>‹#›</a:t>
             </a:fld>
-            <a:endParaRPr lang="ru-UA"/>
+            <a:endParaRPr lang="aa-ET"/>
           </a:p>
         </p:txBody>
       </p:sp>
@@ -611,7 +611,7 @@
           <p:cNvPr id="2" name="Вертикальный заголовок 1">
             <a:extLst>
               <a:ext uri="{FF2B5EF4-FFF2-40B4-BE49-F238E27FC236}">
-                <a16:creationId xmlns:a16="http://schemas.microsoft.com/office/drawing/2014/main" id="{E167B3BC-2AF2-DCF3-FFE5-B5CCC0DF8105}"/>
+                <a16:creationId xmlns:a16="http://schemas.microsoft.com/office/drawing/2014/main" xmlns="" id="{E167B3BC-2AF2-DCF3-FFE5-B5CCC0DF8105}"/>
               </a:ext>
             </a:extLst>
           </p:cNvPr>
@@ -636,7 +636,7 @@
               <a:rPr lang="ru-RU"/>
               <a:t>Образец заголовка</a:t>
             </a:r>
-            <a:endParaRPr lang="ru-UA"/>
+            <a:endParaRPr lang="aa-ET"/>
           </a:p>
         </p:txBody>
       </p:sp>
@@ -645,7 +645,7 @@
           <p:cNvPr id="3" name="Вертикальный текст 2">
             <a:extLst>
               <a:ext uri="{FF2B5EF4-FFF2-40B4-BE49-F238E27FC236}">
-                <a16:creationId xmlns:a16="http://schemas.microsoft.com/office/drawing/2014/main" id="{A3FEEA4D-B546-F3D0-8FA2-2E377D3CCA01}"/>
+                <a16:creationId xmlns:a16="http://schemas.microsoft.com/office/drawing/2014/main" xmlns="" id="{A3FEEA4D-B546-F3D0-8FA2-2E377D3CCA01}"/>
               </a:ext>
             </a:extLst>
           </p:cNvPr>
@@ -699,7 +699,7 @@
               <a:rPr lang="ru-RU"/>
               <a:t>Пятый уровень</a:t>
             </a:r>
-            <a:endParaRPr lang="ru-UA"/>
+            <a:endParaRPr lang="aa-ET"/>
           </a:p>
         </p:txBody>
       </p:sp>
@@ -708,7 +708,7 @@
           <p:cNvPr id="4" name="Дата 3">
             <a:extLst>
               <a:ext uri="{FF2B5EF4-FFF2-40B4-BE49-F238E27FC236}">
-                <a16:creationId xmlns:a16="http://schemas.microsoft.com/office/drawing/2014/main" id="{D471A60E-E828-F806-2FF2-D99A490DB6FE}"/>
+                <a16:creationId xmlns:a16="http://schemas.microsoft.com/office/drawing/2014/main" xmlns="" id="{D471A60E-E828-F806-2FF2-D99A490DB6FE}"/>
               </a:ext>
             </a:extLst>
           </p:cNvPr>
@@ -725,10 +725,10 @@
           <a:lstStyle/>
           <a:p>
             <a:fld id="{16444C56-C33E-40DF-9E22-53D440BA762F}" type="datetimeFigureOut">
-              <a:rPr lang="ru-UA" smtClean="0"/>
-              <a:t>04/20/2023</a:t>
+              <a:rPr lang="aa-ET" smtClean="0"/>
+              <a:t>24/04/2023</a:t>
             </a:fld>
-            <a:endParaRPr lang="ru-UA"/>
+            <a:endParaRPr lang="aa-ET"/>
           </a:p>
         </p:txBody>
       </p:sp>
@@ -737,7 +737,7 @@
           <p:cNvPr id="5" name="Нижний колонтитул 4">
             <a:extLst>
               <a:ext uri="{FF2B5EF4-FFF2-40B4-BE49-F238E27FC236}">
-                <a16:creationId xmlns:a16="http://schemas.microsoft.com/office/drawing/2014/main" id="{66111904-CF68-692F-0CBE-521E81203EAE}"/>
+                <a16:creationId xmlns:a16="http://schemas.microsoft.com/office/drawing/2014/main" xmlns="" id="{66111904-CF68-692F-0CBE-521E81203EAE}"/>
               </a:ext>
             </a:extLst>
           </p:cNvPr>
@@ -753,7 +753,7 @@
           <a:bodyPr/>
           <a:lstStyle/>
           <a:p>
-            <a:endParaRPr lang="ru-UA"/>
+            <a:endParaRPr lang="aa-ET"/>
           </a:p>
         </p:txBody>
       </p:sp>
@@ -762,7 +762,7 @@
           <p:cNvPr id="6" name="Номер слайда 5">
             <a:extLst>
               <a:ext uri="{FF2B5EF4-FFF2-40B4-BE49-F238E27FC236}">
-                <a16:creationId xmlns:a16="http://schemas.microsoft.com/office/drawing/2014/main" id="{6DA30F45-DB0E-C692-AC62-BE0AA4940BBD}"/>
+                <a16:creationId xmlns:a16="http://schemas.microsoft.com/office/drawing/2014/main" xmlns="" id="{6DA30F45-DB0E-C692-AC62-BE0AA4940BBD}"/>
               </a:ext>
             </a:extLst>
           </p:cNvPr>
@@ -779,10 +779,10 @@
           <a:lstStyle/>
           <a:p>
             <a:fld id="{AF07FB22-2331-42B5-BC4E-ACF1D7317D5D}" type="slidenum">
-              <a:rPr lang="ru-UA" smtClean="0"/>
+              <a:rPr lang="aa-ET" smtClean="0"/>
               <a:t>‹#›</a:t>
             </a:fld>
-            <a:endParaRPr lang="ru-UA"/>
+            <a:endParaRPr lang="aa-ET"/>
           </a:p>
         </p:txBody>
       </p:sp>
@@ -821,7 +821,7 @@
           <p:cNvPr id="2" name="Заголовок 1">
             <a:extLst>
               <a:ext uri="{FF2B5EF4-FFF2-40B4-BE49-F238E27FC236}">
-                <a16:creationId xmlns:a16="http://schemas.microsoft.com/office/drawing/2014/main" id="{4ABC4800-BD60-D9C6-E856-0B1A9BE95C61}"/>
+                <a16:creationId xmlns:a16="http://schemas.microsoft.com/office/drawing/2014/main" xmlns="" id="{4ABC4800-BD60-D9C6-E856-0B1A9BE95C61}"/>
               </a:ext>
             </a:extLst>
           </p:cNvPr>
@@ -841,7 +841,7 @@
               <a:rPr lang="ru-RU"/>
               <a:t>Образец заголовка</a:t>
             </a:r>
-            <a:endParaRPr lang="ru-UA"/>
+            <a:endParaRPr lang="aa-ET"/>
           </a:p>
         </p:txBody>
       </p:sp>
@@ -850,7 +850,7 @@
           <p:cNvPr id="3" name="Объект 2">
             <a:extLst>
               <a:ext uri="{FF2B5EF4-FFF2-40B4-BE49-F238E27FC236}">
-                <a16:creationId xmlns:a16="http://schemas.microsoft.com/office/drawing/2014/main" id="{6744C6A0-F4BF-1117-729B-F19DAE2646A8}"/>
+                <a16:creationId xmlns:a16="http://schemas.microsoft.com/office/drawing/2014/main" xmlns="" id="{6744C6A0-F4BF-1117-729B-F19DAE2646A8}"/>
               </a:ext>
             </a:extLst>
           </p:cNvPr>
@@ -899,7 +899,7 @@
               <a:rPr lang="ru-RU"/>
               <a:t>Пятый уровень</a:t>
             </a:r>
-            <a:endParaRPr lang="ru-UA"/>
+            <a:endParaRPr lang="aa-ET"/>
           </a:p>
         </p:txBody>
       </p:sp>
@@ -908,7 +908,7 @@
           <p:cNvPr id="4" name="Дата 3">
             <a:extLst>
               <a:ext uri="{FF2B5EF4-FFF2-40B4-BE49-F238E27FC236}">
-                <a16:creationId xmlns:a16="http://schemas.microsoft.com/office/drawing/2014/main" id="{034A0E2D-D433-449D-4BBE-8B32CE7DC8DC}"/>
+                <a16:creationId xmlns:a16="http://schemas.microsoft.com/office/drawing/2014/main" xmlns="" id="{034A0E2D-D433-449D-4BBE-8B32CE7DC8DC}"/>
               </a:ext>
             </a:extLst>
           </p:cNvPr>
@@ -925,10 +925,10 @@
           <a:lstStyle/>
           <a:p>
             <a:fld id="{16444C56-C33E-40DF-9E22-53D440BA762F}" type="datetimeFigureOut">
-              <a:rPr lang="ru-UA" smtClean="0"/>
-              <a:t>04/20/2023</a:t>
+              <a:rPr lang="aa-ET" smtClean="0"/>
+              <a:t>24/04/2023</a:t>
             </a:fld>
-            <a:endParaRPr lang="ru-UA"/>
+            <a:endParaRPr lang="aa-ET"/>
           </a:p>
         </p:txBody>
       </p:sp>
@@ -937,7 +937,7 @@
           <p:cNvPr id="5" name="Нижний колонтитул 4">
             <a:extLst>
               <a:ext uri="{FF2B5EF4-FFF2-40B4-BE49-F238E27FC236}">
-                <a16:creationId xmlns:a16="http://schemas.microsoft.com/office/drawing/2014/main" id="{0CFD3A00-D42C-2A15-7FE6-0253B94F215F}"/>
+                <a16:creationId xmlns:a16="http://schemas.microsoft.com/office/drawing/2014/main" xmlns="" id="{0CFD3A00-D42C-2A15-7FE6-0253B94F215F}"/>
               </a:ext>
             </a:extLst>
           </p:cNvPr>
@@ -953,7 +953,7 @@
           <a:bodyPr/>
           <a:lstStyle/>
           <a:p>
-            <a:endParaRPr lang="ru-UA"/>
+            <a:endParaRPr lang="aa-ET"/>
           </a:p>
         </p:txBody>
       </p:sp>
@@ -962,7 +962,7 @@
           <p:cNvPr id="6" name="Номер слайда 5">
             <a:extLst>
               <a:ext uri="{FF2B5EF4-FFF2-40B4-BE49-F238E27FC236}">
-                <a16:creationId xmlns:a16="http://schemas.microsoft.com/office/drawing/2014/main" id="{0420D062-5714-7D54-4D06-2626FEF6AFA7}"/>
+                <a16:creationId xmlns:a16="http://schemas.microsoft.com/office/drawing/2014/main" xmlns="" id="{0420D062-5714-7D54-4D06-2626FEF6AFA7}"/>
               </a:ext>
             </a:extLst>
           </p:cNvPr>
@@ -979,10 +979,10 @@
           <a:lstStyle/>
           <a:p>
             <a:fld id="{AF07FB22-2331-42B5-BC4E-ACF1D7317D5D}" type="slidenum">
-              <a:rPr lang="ru-UA" smtClean="0"/>
+              <a:rPr lang="aa-ET" smtClean="0"/>
               <a:t>‹#›</a:t>
             </a:fld>
-            <a:endParaRPr lang="ru-UA"/>
+            <a:endParaRPr lang="aa-ET"/>
           </a:p>
         </p:txBody>
       </p:sp>
@@ -1021,7 +1021,7 @@
           <p:cNvPr id="2" name="Заголовок 1">
             <a:extLst>
               <a:ext uri="{FF2B5EF4-FFF2-40B4-BE49-F238E27FC236}">
-                <a16:creationId xmlns:a16="http://schemas.microsoft.com/office/drawing/2014/main" id="{F35F26E8-96B7-FCEB-4442-39C7A7384C25}"/>
+                <a16:creationId xmlns:a16="http://schemas.microsoft.com/office/drawing/2014/main" xmlns="" id="{F35F26E8-96B7-FCEB-4442-39C7A7384C25}"/>
               </a:ext>
             </a:extLst>
           </p:cNvPr>
@@ -1050,7 +1050,7 @@
               <a:rPr lang="ru-RU"/>
               <a:t>Образец заголовка</a:t>
             </a:r>
-            <a:endParaRPr lang="ru-UA"/>
+            <a:endParaRPr lang="aa-ET"/>
           </a:p>
         </p:txBody>
       </p:sp>
@@ -1059,7 +1059,7 @@
           <p:cNvPr id="3" name="Текст 2">
             <a:extLst>
               <a:ext uri="{FF2B5EF4-FFF2-40B4-BE49-F238E27FC236}">
-                <a16:creationId xmlns:a16="http://schemas.microsoft.com/office/drawing/2014/main" id="{DA2598FD-1222-29D6-659D-E5DF51944243}"/>
+                <a16:creationId xmlns:a16="http://schemas.microsoft.com/office/drawing/2014/main" xmlns="" id="{DA2598FD-1222-29D6-659D-E5DF51944243}"/>
               </a:ext>
             </a:extLst>
           </p:cNvPr>
@@ -1184,7 +1184,7 @@
           <p:cNvPr id="4" name="Дата 3">
             <a:extLst>
               <a:ext uri="{FF2B5EF4-FFF2-40B4-BE49-F238E27FC236}">
-                <a16:creationId xmlns:a16="http://schemas.microsoft.com/office/drawing/2014/main" id="{4C6D7D94-8F05-8C58-845D-76AFA6457B15}"/>
+                <a16:creationId xmlns:a16="http://schemas.microsoft.com/office/drawing/2014/main" xmlns="" id="{4C6D7D94-8F05-8C58-845D-76AFA6457B15}"/>
               </a:ext>
             </a:extLst>
           </p:cNvPr>
@@ -1201,10 +1201,10 @@
           <a:lstStyle/>
           <a:p>
             <a:fld id="{16444C56-C33E-40DF-9E22-53D440BA762F}" type="datetimeFigureOut">
-              <a:rPr lang="ru-UA" smtClean="0"/>
-              <a:t>04/20/2023</a:t>
+              <a:rPr lang="aa-ET" smtClean="0"/>
+              <a:t>24/04/2023</a:t>
             </a:fld>
-            <a:endParaRPr lang="ru-UA"/>
+            <a:endParaRPr lang="aa-ET"/>
           </a:p>
         </p:txBody>
       </p:sp>
@@ -1213,7 +1213,7 @@
           <p:cNvPr id="5" name="Нижний колонтитул 4">
             <a:extLst>
               <a:ext uri="{FF2B5EF4-FFF2-40B4-BE49-F238E27FC236}">
-                <a16:creationId xmlns:a16="http://schemas.microsoft.com/office/drawing/2014/main" id="{1833E20E-6E9E-4B44-8245-86CF00F4F573}"/>
+                <a16:creationId xmlns:a16="http://schemas.microsoft.com/office/drawing/2014/main" xmlns="" id="{1833E20E-6E9E-4B44-8245-86CF00F4F573}"/>
               </a:ext>
             </a:extLst>
           </p:cNvPr>
@@ -1229,7 +1229,7 @@
           <a:bodyPr/>
           <a:lstStyle/>
           <a:p>
-            <a:endParaRPr lang="ru-UA"/>
+            <a:endParaRPr lang="aa-ET"/>
           </a:p>
         </p:txBody>
       </p:sp>
@@ -1238,7 +1238,7 @@
           <p:cNvPr id="6" name="Номер слайда 5">
             <a:extLst>
               <a:ext uri="{FF2B5EF4-FFF2-40B4-BE49-F238E27FC236}">
-                <a16:creationId xmlns:a16="http://schemas.microsoft.com/office/drawing/2014/main" id="{34E8FD6D-A9DF-AFBA-5BFB-0F2EF89FDA1D}"/>
+                <a16:creationId xmlns:a16="http://schemas.microsoft.com/office/drawing/2014/main" xmlns="" id="{34E8FD6D-A9DF-AFBA-5BFB-0F2EF89FDA1D}"/>
               </a:ext>
             </a:extLst>
           </p:cNvPr>
@@ -1255,10 +1255,10 @@
           <a:lstStyle/>
           <a:p>
             <a:fld id="{AF07FB22-2331-42B5-BC4E-ACF1D7317D5D}" type="slidenum">
-              <a:rPr lang="ru-UA" smtClean="0"/>
+              <a:rPr lang="aa-ET" smtClean="0"/>
               <a:t>‹#›</a:t>
             </a:fld>
-            <a:endParaRPr lang="ru-UA"/>
+            <a:endParaRPr lang="aa-ET"/>
           </a:p>
         </p:txBody>
       </p:sp>
@@ -1297,7 +1297,7 @@
           <p:cNvPr id="2" name="Заголовок 1">
             <a:extLst>
               <a:ext uri="{FF2B5EF4-FFF2-40B4-BE49-F238E27FC236}">
-                <a16:creationId xmlns:a16="http://schemas.microsoft.com/office/drawing/2014/main" id="{16BF576D-0450-6EEB-F2E8-66FA8C4CEDE0}"/>
+                <a16:creationId xmlns:a16="http://schemas.microsoft.com/office/drawing/2014/main" xmlns="" id="{16BF576D-0450-6EEB-F2E8-66FA8C4CEDE0}"/>
               </a:ext>
             </a:extLst>
           </p:cNvPr>
@@ -1317,7 +1317,7 @@
               <a:rPr lang="ru-RU"/>
               <a:t>Образец заголовка</a:t>
             </a:r>
-            <a:endParaRPr lang="ru-UA"/>
+            <a:endParaRPr lang="aa-ET"/>
           </a:p>
         </p:txBody>
       </p:sp>
@@ -1326,7 +1326,7 @@
           <p:cNvPr id="3" name="Объект 2">
             <a:extLst>
               <a:ext uri="{FF2B5EF4-FFF2-40B4-BE49-F238E27FC236}">
-                <a16:creationId xmlns:a16="http://schemas.microsoft.com/office/drawing/2014/main" id="{25018AEC-4D36-F683-C23E-677E07B04F29}"/>
+                <a16:creationId xmlns:a16="http://schemas.microsoft.com/office/drawing/2014/main" xmlns="" id="{25018AEC-4D36-F683-C23E-677E07B04F29}"/>
               </a:ext>
             </a:extLst>
           </p:cNvPr>
@@ -1380,7 +1380,7 @@
               <a:rPr lang="ru-RU"/>
               <a:t>Пятый уровень</a:t>
             </a:r>
-            <a:endParaRPr lang="ru-UA"/>
+            <a:endParaRPr lang="aa-ET"/>
           </a:p>
         </p:txBody>
       </p:sp>
@@ -1389,7 +1389,7 @@
           <p:cNvPr id="4" name="Объект 3">
             <a:extLst>
               <a:ext uri="{FF2B5EF4-FFF2-40B4-BE49-F238E27FC236}">
-                <a16:creationId xmlns:a16="http://schemas.microsoft.com/office/drawing/2014/main" id="{E0F247A4-16DD-7B74-22EB-B21543854BBF}"/>
+                <a16:creationId xmlns:a16="http://schemas.microsoft.com/office/drawing/2014/main" xmlns="" id="{E0F247A4-16DD-7B74-22EB-B21543854BBF}"/>
               </a:ext>
             </a:extLst>
           </p:cNvPr>
@@ -1443,7 +1443,7 @@
               <a:rPr lang="ru-RU"/>
               <a:t>Пятый уровень</a:t>
             </a:r>
-            <a:endParaRPr lang="ru-UA"/>
+            <a:endParaRPr lang="aa-ET"/>
           </a:p>
         </p:txBody>
       </p:sp>
@@ -1452,7 +1452,7 @@
           <p:cNvPr id="5" name="Дата 4">
             <a:extLst>
               <a:ext uri="{FF2B5EF4-FFF2-40B4-BE49-F238E27FC236}">
-                <a16:creationId xmlns:a16="http://schemas.microsoft.com/office/drawing/2014/main" id="{874C7B93-C94A-D8A5-48FF-277B3D8E0593}"/>
+                <a16:creationId xmlns:a16="http://schemas.microsoft.com/office/drawing/2014/main" xmlns="" id="{874C7B93-C94A-D8A5-48FF-277B3D8E0593}"/>
               </a:ext>
             </a:extLst>
           </p:cNvPr>
@@ -1469,10 +1469,10 @@
           <a:lstStyle/>
           <a:p>
             <a:fld id="{16444C56-C33E-40DF-9E22-53D440BA762F}" type="datetimeFigureOut">
-              <a:rPr lang="ru-UA" smtClean="0"/>
-              <a:t>04/20/2023</a:t>
+              <a:rPr lang="aa-ET" smtClean="0"/>
+              <a:t>24/04/2023</a:t>
             </a:fld>
-            <a:endParaRPr lang="ru-UA"/>
+            <a:endParaRPr lang="aa-ET"/>
           </a:p>
         </p:txBody>
       </p:sp>
@@ -1481,7 +1481,7 @@
           <p:cNvPr id="6" name="Нижний колонтитул 5">
             <a:extLst>
               <a:ext uri="{FF2B5EF4-FFF2-40B4-BE49-F238E27FC236}">
-                <a16:creationId xmlns:a16="http://schemas.microsoft.com/office/drawing/2014/main" id="{0A114D3D-9BB4-BBDA-E91F-7267EBDB7112}"/>
+                <a16:creationId xmlns:a16="http://schemas.microsoft.com/office/drawing/2014/main" xmlns="" id="{0A114D3D-9BB4-BBDA-E91F-7267EBDB7112}"/>
               </a:ext>
             </a:extLst>
           </p:cNvPr>
@@ -1497,7 +1497,7 @@
           <a:bodyPr/>
           <a:lstStyle/>
           <a:p>
-            <a:endParaRPr lang="ru-UA"/>
+            <a:endParaRPr lang="aa-ET"/>
           </a:p>
         </p:txBody>
       </p:sp>
@@ -1506,7 +1506,7 @@
           <p:cNvPr id="7" name="Номер слайда 6">
             <a:extLst>
               <a:ext uri="{FF2B5EF4-FFF2-40B4-BE49-F238E27FC236}">
-                <a16:creationId xmlns:a16="http://schemas.microsoft.com/office/drawing/2014/main" id="{9C3CD1F5-20C8-2162-F91C-DFC7A982DBBB}"/>
+                <a16:creationId xmlns:a16="http://schemas.microsoft.com/office/drawing/2014/main" xmlns="" id="{9C3CD1F5-20C8-2162-F91C-DFC7A982DBBB}"/>
               </a:ext>
             </a:extLst>
           </p:cNvPr>
@@ -1523,10 +1523,10 @@
           <a:lstStyle/>
           <a:p>
             <a:fld id="{AF07FB22-2331-42B5-BC4E-ACF1D7317D5D}" type="slidenum">
-              <a:rPr lang="ru-UA" smtClean="0"/>
+              <a:rPr lang="aa-ET" smtClean="0"/>
               <a:t>‹#›</a:t>
             </a:fld>
-            <a:endParaRPr lang="ru-UA"/>
+            <a:endParaRPr lang="aa-ET"/>
           </a:p>
         </p:txBody>
       </p:sp>
@@ -1565,7 +1565,7 @@
           <p:cNvPr id="2" name="Заголовок 1">
             <a:extLst>
               <a:ext uri="{FF2B5EF4-FFF2-40B4-BE49-F238E27FC236}">
-                <a16:creationId xmlns:a16="http://schemas.microsoft.com/office/drawing/2014/main" id="{DC442B8F-2309-B81C-D23A-6BB0A57984F0}"/>
+                <a16:creationId xmlns:a16="http://schemas.microsoft.com/office/drawing/2014/main" xmlns="" id="{DC442B8F-2309-B81C-D23A-6BB0A57984F0}"/>
               </a:ext>
             </a:extLst>
           </p:cNvPr>
@@ -1590,7 +1590,7 @@
               <a:rPr lang="ru-RU"/>
               <a:t>Образец заголовка</a:t>
             </a:r>
-            <a:endParaRPr lang="ru-UA"/>
+            <a:endParaRPr lang="aa-ET"/>
           </a:p>
         </p:txBody>
       </p:sp>
@@ -1599,7 +1599,7 @@
           <p:cNvPr id="3" name="Текст 2">
             <a:extLst>
               <a:ext uri="{FF2B5EF4-FFF2-40B4-BE49-F238E27FC236}">
-                <a16:creationId xmlns:a16="http://schemas.microsoft.com/office/drawing/2014/main" id="{F90DC337-50F2-43FC-59E9-195A4C6D45B7}"/>
+                <a16:creationId xmlns:a16="http://schemas.microsoft.com/office/drawing/2014/main" xmlns="" id="{F90DC337-50F2-43FC-59E9-195A4C6D45B7}"/>
               </a:ext>
             </a:extLst>
           </p:cNvPr>
@@ -1670,7 +1670,7 @@
           <p:cNvPr id="4" name="Объект 3">
             <a:extLst>
               <a:ext uri="{FF2B5EF4-FFF2-40B4-BE49-F238E27FC236}">
-                <a16:creationId xmlns:a16="http://schemas.microsoft.com/office/drawing/2014/main" id="{11E870E2-0FED-FFF1-B1F1-FF13724E0726}"/>
+                <a16:creationId xmlns:a16="http://schemas.microsoft.com/office/drawing/2014/main" xmlns="" id="{11E870E2-0FED-FFF1-B1F1-FF13724E0726}"/>
               </a:ext>
             </a:extLst>
           </p:cNvPr>
@@ -1724,7 +1724,7 @@
               <a:rPr lang="ru-RU"/>
               <a:t>Пятый уровень</a:t>
             </a:r>
-            <a:endParaRPr lang="ru-UA"/>
+            <a:endParaRPr lang="aa-ET"/>
           </a:p>
         </p:txBody>
       </p:sp>
@@ -1733,7 +1733,7 @@
           <p:cNvPr id="5" name="Текст 4">
             <a:extLst>
               <a:ext uri="{FF2B5EF4-FFF2-40B4-BE49-F238E27FC236}">
-                <a16:creationId xmlns:a16="http://schemas.microsoft.com/office/drawing/2014/main" id="{820DF6B5-889A-3EDA-D84E-16380F66416D}"/>
+                <a16:creationId xmlns:a16="http://schemas.microsoft.com/office/drawing/2014/main" xmlns="" id="{820DF6B5-889A-3EDA-D84E-16380F66416D}"/>
               </a:ext>
             </a:extLst>
           </p:cNvPr>
@@ -1804,7 +1804,7 @@
           <p:cNvPr id="6" name="Объект 5">
             <a:extLst>
               <a:ext uri="{FF2B5EF4-FFF2-40B4-BE49-F238E27FC236}">
-                <a16:creationId xmlns:a16="http://schemas.microsoft.com/office/drawing/2014/main" id="{23ACA0AA-DFDF-B3A4-8F76-5343C5EB4C3E}"/>
+                <a16:creationId xmlns:a16="http://schemas.microsoft.com/office/drawing/2014/main" xmlns="" id="{23ACA0AA-DFDF-B3A4-8F76-5343C5EB4C3E}"/>
               </a:ext>
             </a:extLst>
           </p:cNvPr>
@@ -1858,7 +1858,7 @@
               <a:rPr lang="ru-RU"/>
               <a:t>Пятый уровень</a:t>
             </a:r>
-            <a:endParaRPr lang="ru-UA"/>
+            <a:endParaRPr lang="aa-ET"/>
           </a:p>
         </p:txBody>
       </p:sp>
@@ -1867,7 +1867,7 @@
           <p:cNvPr id="7" name="Дата 6">
             <a:extLst>
               <a:ext uri="{FF2B5EF4-FFF2-40B4-BE49-F238E27FC236}">
-                <a16:creationId xmlns:a16="http://schemas.microsoft.com/office/drawing/2014/main" id="{CCDF22CA-337C-4509-8D09-A41EDF494EB3}"/>
+                <a16:creationId xmlns:a16="http://schemas.microsoft.com/office/drawing/2014/main" xmlns="" id="{CCDF22CA-337C-4509-8D09-A41EDF494EB3}"/>
               </a:ext>
             </a:extLst>
           </p:cNvPr>
@@ -1884,10 +1884,10 @@
           <a:lstStyle/>
           <a:p>
             <a:fld id="{16444C56-C33E-40DF-9E22-53D440BA762F}" type="datetimeFigureOut">
-              <a:rPr lang="ru-UA" smtClean="0"/>
-              <a:t>04/20/2023</a:t>
+              <a:rPr lang="aa-ET" smtClean="0"/>
+              <a:t>24/04/2023</a:t>
             </a:fld>
-            <a:endParaRPr lang="ru-UA"/>
+            <a:endParaRPr lang="aa-ET"/>
           </a:p>
         </p:txBody>
       </p:sp>
@@ -1896,7 +1896,7 @@
           <p:cNvPr id="8" name="Нижний колонтитул 7">
             <a:extLst>
               <a:ext uri="{FF2B5EF4-FFF2-40B4-BE49-F238E27FC236}">
-                <a16:creationId xmlns:a16="http://schemas.microsoft.com/office/drawing/2014/main" id="{BE6ACAB1-9047-582D-32DE-DB12629F3BCD}"/>
+                <a16:creationId xmlns:a16="http://schemas.microsoft.com/office/drawing/2014/main" xmlns="" id="{BE6ACAB1-9047-582D-32DE-DB12629F3BCD}"/>
               </a:ext>
             </a:extLst>
           </p:cNvPr>
@@ -1912,7 +1912,7 @@
           <a:bodyPr/>
           <a:lstStyle/>
           <a:p>
-            <a:endParaRPr lang="ru-UA"/>
+            <a:endParaRPr lang="aa-ET"/>
           </a:p>
         </p:txBody>
       </p:sp>
@@ -1921,7 +1921,7 @@
           <p:cNvPr id="9" name="Номер слайда 8">
             <a:extLst>
               <a:ext uri="{FF2B5EF4-FFF2-40B4-BE49-F238E27FC236}">
-                <a16:creationId xmlns:a16="http://schemas.microsoft.com/office/drawing/2014/main" id="{4FCC141F-672E-040E-BAE4-78238870E512}"/>
+                <a16:creationId xmlns:a16="http://schemas.microsoft.com/office/drawing/2014/main" xmlns="" id="{4FCC141F-672E-040E-BAE4-78238870E512}"/>
               </a:ext>
             </a:extLst>
           </p:cNvPr>
@@ -1938,10 +1938,10 @@
           <a:lstStyle/>
           <a:p>
             <a:fld id="{AF07FB22-2331-42B5-BC4E-ACF1D7317D5D}" type="slidenum">
-              <a:rPr lang="ru-UA" smtClean="0"/>
+              <a:rPr lang="aa-ET" smtClean="0"/>
               <a:t>‹#›</a:t>
             </a:fld>
-            <a:endParaRPr lang="ru-UA"/>
+            <a:endParaRPr lang="aa-ET"/>
           </a:p>
         </p:txBody>
       </p:sp>
@@ -1980,7 +1980,7 @@
           <p:cNvPr id="2" name="Заголовок 1">
             <a:extLst>
               <a:ext uri="{FF2B5EF4-FFF2-40B4-BE49-F238E27FC236}">
-                <a16:creationId xmlns:a16="http://schemas.microsoft.com/office/drawing/2014/main" id="{A0CA070D-29CE-98AF-E38D-113E05C60F1D}"/>
+                <a16:creationId xmlns:a16="http://schemas.microsoft.com/office/drawing/2014/main" xmlns="" id="{A0CA070D-29CE-98AF-E38D-113E05C60F1D}"/>
               </a:ext>
             </a:extLst>
           </p:cNvPr>
@@ -2000,7 +2000,7 @@
               <a:rPr lang="ru-RU"/>
               <a:t>Образец заголовка</a:t>
             </a:r>
-            <a:endParaRPr lang="ru-UA"/>
+            <a:endParaRPr lang="aa-ET"/>
           </a:p>
         </p:txBody>
       </p:sp>
@@ -2009,7 +2009,7 @@
           <p:cNvPr id="3" name="Дата 2">
             <a:extLst>
               <a:ext uri="{FF2B5EF4-FFF2-40B4-BE49-F238E27FC236}">
-                <a16:creationId xmlns:a16="http://schemas.microsoft.com/office/drawing/2014/main" id="{6BEE49F4-4C75-82EE-F42C-1F9BD3072C52}"/>
+                <a16:creationId xmlns:a16="http://schemas.microsoft.com/office/drawing/2014/main" xmlns="" id="{6BEE49F4-4C75-82EE-F42C-1F9BD3072C52}"/>
               </a:ext>
             </a:extLst>
           </p:cNvPr>
@@ -2026,10 +2026,10 @@
           <a:lstStyle/>
           <a:p>
             <a:fld id="{16444C56-C33E-40DF-9E22-53D440BA762F}" type="datetimeFigureOut">
-              <a:rPr lang="ru-UA" smtClean="0"/>
-              <a:t>04/20/2023</a:t>
+              <a:rPr lang="aa-ET" smtClean="0"/>
+              <a:t>24/04/2023</a:t>
             </a:fld>
-            <a:endParaRPr lang="ru-UA"/>
+            <a:endParaRPr lang="aa-ET"/>
           </a:p>
         </p:txBody>
       </p:sp>
@@ -2038,7 +2038,7 @@
           <p:cNvPr id="4" name="Нижний колонтитул 3">
             <a:extLst>
               <a:ext uri="{FF2B5EF4-FFF2-40B4-BE49-F238E27FC236}">
-                <a16:creationId xmlns:a16="http://schemas.microsoft.com/office/drawing/2014/main" id="{040F3652-8425-936F-6D03-7E368FBBAE93}"/>
+                <a16:creationId xmlns:a16="http://schemas.microsoft.com/office/drawing/2014/main" xmlns="" id="{040F3652-8425-936F-6D03-7E368FBBAE93}"/>
               </a:ext>
             </a:extLst>
           </p:cNvPr>
@@ -2054,7 +2054,7 @@
           <a:bodyPr/>
           <a:lstStyle/>
           <a:p>
-            <a:endParaRPr lang="ru-UA"/>
+            <a:endParaRPr lang="aa-ET"/>
           </a:p>
         </p:txBody>
       </p:sp>
@@ -2063,7 +2063,7 @@
           <p:cNvPr id="5" name="Номер слайда 4">
             <a:extLst>
               <a:ext uri="{FF2B5EF4-FFF2-40B4-BE49-F238E27FC236}">
-                <a16:creationId xmlns:a16="http://schemas.microsoft.com/office/drawing/2014/main" id="{FC5A42AF-CB7C-4425-A4E3-7502DB93AE98}"/>
+                <a16:creationId xmlns:a16="http://schemas.microsoft.com/office/drawing/2014/main" xmlns="" id="{FC5A42AF-CB7C-4425-A4E3-7502DB93AE98}"/>
               </a:ext>
             </a:extLst>
           </p:cNvPr>
@@ -2080,10 +2080,10 @@
           <a:lstStyle/>
           <a:p>
             <a:fld id="{AF07FB22-2331-42B5-BC4E-ACF1D7317D5D}" type="slidenum">
-              <a:rPr lang="ru-UA" smtClean="0"/>
+              <a:rPr lang="aa-ET" smtClean="0"/>
               <a:t>‹#›</a:t>
             </a:fld>
-            <a:endParaRPr lang="ru-UA"/>
+            <a:endParaRPr lang="aa-ET"/>
           </a:p>
         </p:txBody>
       </p:sp>
@@ -2122,7 +2122,7 @@
           <p:cNvPr id="2" name="Дата 1">
             <a:extLst>
               <a:ext uri="{FF2B5EF4-FFF2-40B4-BE49-F238E27FC236}">
-                <a16:creationId xmlns:a16="http://schemas.microsoft.com/office/drawing/2014/main" id="{F934BBA6-CE0D-6455-6BC2-7C28F83B5059}"/>
+                <a16:creationId xmlns:a16="http://schemas.microsoft.com/office/drawing/2014/main" xmlns="" id="{F934BBA6-CE0D-6455-6BC2-7C28F83B5059}"/>
               </a:ext>
             </a:extLst>
           </p:cNvPr>
@@ -2139,10 +2139,10 @@
           <a:lstStyle/>
           <a:p>
             <a:fld id="{16444C56-C33E-40DF-9E22-53D440BA762F}" type="datetimeFigureOut">
-              <a:rPr lang="ru-UA" smtClean="0"/>
-              <a:t>04/20/2023</a:t>
+              <a:rPr lang="aa-ET" smtClean="0"/>
+              <a:t>24/04/2023</a:t>
             </a:fld>
-            <a:endParaRPr lang="ru-UA"/>
+            <a:endParaRPr lang="aa-ET"/>
           </a:p>
         </p:txBody>
       </p:sp>
@@ -2151,7 +2151,7 @@
           <p:cNvPr id="3" name="Нижний колонтитул 2">
             <a:extLst>
               <a:ext uri="{FF2B5EF4-FFF2-40B4-BE49-F238E27FC236}">
-                <a16:creationId xmlns:a16="http://schemas.microsoft.com/office/drawing/2014/main" id="{4EC3E260-8A7E-27FF-743E-9658DDAF477E}"/>
+                <a16:creationId xmlns:a16="http://schemas.microsoft.com/office/drawing/2014/main" xmlns="" id="{4EC3E260-8A7E-27FF-743E-9658DDAF477E}"/>
               </a:ext>
             </a:extLst>
           </p:cNvPr>
@@ -2167,7 +2167,7 @@
           <a:bodyPr/>
           <a:lstStyle/>
           <a:p>
-            <a:endParaRPr lang="ru-UA"/>
+            <a:endParaRPr lang="aa-ET"/>
           </a:p>
         </p:txBody>
       </p:sp>
@@ -2176,7 +2176,7 @@
           <p:cNvPr id="4" name="Номер слайда 3">
             <a:extLst>
               <a:ext uri="{FF2B5EF4-FFF2-40B4-BE49-F238E27FC236}">
-                <a16:creationId xmlns:a16="http://schemas.microsoft.com/office/drawing/2014/main" id="{3D741E32-919B-D850-294E-0C68F815DF7F}"/>
+                <a16:creationId xmlns:a16="http://schemas.microsoft.com/office/drawing/2014/main" xmlns="" id="{3D741E32-919B-D850-294E-0C68F815DF7F}"/>
               </a:ext>
             </a:extLst>
           </p:cNvPr>
@@ -2193,10 +2193,10 @@
           <a:lstStyle/>
           <a:p>
             <a:fld id="{AF07FB22-2331-42B5-BC4E-ACF1D7317D5D}" type="slidenum">
-              <a:rPr lang="ru-UA" smtClean="0"/>
+              <a:rPr lang="aa-ET" smtClean="0"/>
               <a:t>‹#›</a:t>
             </a:fld>
-            <a:endParaRPr lang="ru-UA"/>
+            <a:endParaRPr lang="aa-ET"/>
           </a:p>
         </p:txBody>
       </p:sp>
@@ -2235,7 +2235,7 @@
           <p:cNvPr id="2" name="Заголовок 1">
             <a:extLst>
               <a:ext uri="{FF2B5EF4-FFF2-40B4-BE49-F238E27FC236}">
-                <a16:creationId xmlns:a16="http://schemas.microsoft.com/office/drawing/2014/main" id="{3DE3DBB2-A8C4-764C-2460-71F7C4AA431D}"/>
+                <a16:creationId xmlns:a16="http://schemas.microsoft.com/office/drawing/2014/main" xmlns="" id="{3DE3DBB2-A8C4-764C-2460-71F7C4AA431D}"/>
               </a:ext>
             </a:extLst>
           </p:cNvPr>
@@ -2264,7 +2264,7 @@
               <a:rPr lang="ru-RU"/>
               <a:t>Образец заголовка</a:t>
             </a:r>
-            <a:endParaRPr lang="ru-UA"/>
+            <a:endParaRPr lang="aa-ET"/>
           </a:p>
         </p:txBody>
       </p:sp>
@@ -2273,7 +2273,7 @@
           <p:cNvPr id="3" name="Объект 2">
             <a:extLst>
               <a:ext uri="{FF2B5EF4-FFF2-40B4-BE49-F238E27FC236}">
-                <a16:creationId xmlns:a16="http://schemas.microsoft.com/office/drawing/2014/main" id="{3F208D97-C0AF-1ED3-1E3C-DDDF9B83606F}"/>
+                <a16:creationId xmlns:a16="http://schemas.microsoft.com/office/drawing/2014/main" xmlns="" id="{3F208D97-C0AF-1ED3-1E3C-DDDF9B83606F}"/>
               </a:ext>
             </a:extLst>
           </p:cNvPr>
@@ -2355,7 +2355,7 @@
               <a:rPr lang="ru-RU"/>
               <a:t>Пятый уровень</a:t>
             </a:r>
-            <a:endParaRPr lang="ru-UA"/>
+            <a:endParaRPr lang="aa-ET"/>
           </a:p>
         </p:txBody>
       </p:sp>
@@ -2364,7 +2364,7 @@
           <p:cNvPr id="4" name="Текст 3">
             <a:extLst>
               <a:ext uri="{FF2B5EF4-FFF2-40B4-BE49-F238E27FC236}">
-                <a16:creationId xmlns:a16="http://schemas.microsoft.com/office/drawing/2014/main" id="{D7823DFF-FBA4-F9ED-5206-B49A5CCCCBB4}"/>
+                <a16:creationId xmlns:a16="http://schemas.microsoft.com/office/drawing/2014/main" xmlns="" id="{D7823DFF-FBA4-F9ED-5206-B49A5CCCCBB4}"/>
               </a:ext>
             </a:extLst>
           </p:cNvPr>
@@ -2435,7 +2435,7 @@
           <p:cNvPr id="5" name="Дата 4">
             <a:extLst>
               <a:ext uri="{FF2B5EF4-FFF2-40B4-BE49-F238E27FC236}">
-                <a16:creationId xmlns:a16="http://schemas.microsoft.com/office/drawing/2014/main" id="{D3255138-F3D3-F50D-5981-09E67ED22177}"/>
+                <a16:creationId xmlns:a16="http://schemas.microsoft.com/office/drawing/2014/main" xmlns="" id="{D3255138-F3D3-F50D-5981-09E67ED22177}"/>
               </a:ext>
             </a:extLst>
           </p:cNvPr>
@@ -2452,10 +2452,10 @@
           <a:lstStyle/>
           <a:p>
             <a:fld id="{16444C56-C33E-40DF-9E22-53D440BA762F}" type="datetimeFigureOut">
-              <a:rPr lang="ru-UA" smtClean="0"/>
-              <a:t>04/20/2023</a:t>
+              <a:rPr lang="aa-ET" smtClean="0"/>
+              <a:t>24/04/2023</a:t>
             </a:fld>
-            <a:endParaRPr lang="ru-UA"/>
+            <a:endParaRPr lang="aa-ET"/>
           </a:p>
         </p:txBody>
       </p:sp>
@@ -2464,7 +2464,7 @@
           <p:cNvPr id="6" name="Нижний колонтитул 5">
             <a:extLst>
               <a:ext uri="{FF2B5EF4-FFF2-40B4-BE49-F238E27FC236}">
-                <a16:creationId xmlns:a16="http://schemas.microsoft.com/office/drawing/2014/main" id="{1E4DD6BF-3B25-6B94-CE39-A3829447BCAF}"/>
+                <a16:creationId xmlns:a16="http://schemas.microsoft.com/office/drawing/2014/main" xmlns="" id="{1E4DD6BF-3B25-6B94-CE39-A3829447BCAF}"/>
               </a:ext>
             </a:extLst>
           </p:cNvPr>
@@ -2480,7 +2480,7 @@
           <a:bodyPr/>
           <a:lstStyle/>
           <a:p>
-            <a:endParaRPr lang="ru-UA"/>
+            <a:endParaRPr lang="aa-ET"/>
           </a:p>
         </p:txBody>
       </p:sp>
@@ -2489,7 +2489,7 @@
           <p:cNvPr id="7" name="Номер слайда 6">
             <a:extLst>
               <a:ext uri="{FF2B5EF4-FFF2-40B4-BE49-F238E27FC236}">
-                <a16:creationId xmlns:a16="http://schemas.microsoft.com/office/drawing/2014/main" id="{D0088974-93E9-2C96-8B9B-8752341E648D}"/>
+                <a16:creationId xmlns:a16="http://schemas.microsoft.com/office/drawing/2014/main" xmlns="" id="{D0088974-93E9-2C96-8B9B-8752341E648D}"/>
               </a:ext>
             </a:extLst>
           </p:cNvPr>
@@ -2506,10 +2506,10 @@
           <a:lstStyle/>
           <a:p>
             <a:fld id="{AF07FB22-2331-42B5-BC4E-ACF1D7317D5D}" type="slidenum">
-              <a:rPr lang="ru-UA" smtClean="0"/>
+              <a:rPr lang="aa-ET" smtClean="0"/>
               <a:t>‹#›</a:t>
             </a:fld>
-            <a:endParaRPr lang="ru-UA"/>
+            <a:endParaRPr lang="aa-ET"/>
           </a:p>
         </p:txBody>
       </p:sp>
@@ -2548,7 +2548,7 @@
           <p:cNvPr id="2" name="Заголовок 1">
             <a:extLst>
               <a:ext uri="{FF2B5EF4-FFF2-40B4-BE49-F238E27FC236}">
-                <a16:creationId xmlns:a16="http://schemas.microsoft.com/office/drawing/2014/main" id="{3CCE7531-1479-D2A4-4725-4B7DF2880BD5}"/>
+                <a16:creationId xmlns:a16="http://schemas.microsoft.com/office/drawing/2014/main" xmlns="" id="{3CCE7531-1479-D2A4-4725-4B7DF2880BD5}"/>
               </a:ext>
             </a:extLst>
           </p:cNvPr>
@@ -2577,7 +2577,7 @@
               <a:rPr lang="ru-RU"/>
               <a:t>Образец заголовка</a:t>
             </a:r>
-            <a:endParaRPr lang="ru-UA"/>
+            <a:endParaRPr lang="aa-ET"/>
           </a:p>
         </p:txBody>
       </p:sp>
@@ -2586,7 +2586,7 @@
           <p:cNvPr id="3" name="Рисунок 2">
             <a:extLst>
               <a:ext uri="{FF2B5EF4-FFF2-40B4-BE49-F238E27FC236}">
-                <a16:creationId xmlns:a16="http://schemas.microsoft.com/office/drawing/2014/main" id="{83AF184F-5850-2343-6C3F-DEDB2364A7F1}"/>
+                <a16:creationId xmlns:a16="http://schemas.microsoft.com/office/drawing/2014/main" xmlns="" id="{83AF184F-5850-2343-6C3F-DEDB2364A7F1}"/>
               </a:ext>
             </a:extLst>
           </p:cNvPr>
@@ -2644,7 +2644,7 @@
             </a:lvl9pPr>
           </a:lstStyle>
           <a:p>
-            <a:endParaRPr lang="ru-UA"/>
+            <a:endParaRPr lang="aa-ET"/>
           </a:p>
         </p:txBody>
       </p:sp>
@@ -2653,7 +2653,7 @@
           <p:cNvPr id="4" name="Текст 3">
             <a:extLst>
               <a:ext uri="{FF2B5EF4-FFF2-40B4-BE49-F238E27FC236}">
-                <a16:creationId xmlns:a16="http://schemas.microsoft.com/office/drawing/2014/main" id="{FEA9CEE0-5B5E-397C-6817-CA61D68B63E6}"/>
+                <a16:creationId xmlns:a16="http://schemas.microsoft.com/office/drawing/2014/main" xmlns="" id="{FEA9CEE0-5B5E-397C-6817-CA61D68B63E6}"/>
               </a:ext>
             </a:extLst>
           </p:cNvPr>
@@ -2724,7 +2724,7 @@
           <p:cNvPr id="5" name="Дата 4">
             <a:extLst>
               <a:ext uri="{FF2B5EF4-FFF2-40B4-BE49-F238E27FC236}">
-                <a16:creationId xmlns:a16="http://schemas.microsoft.com/office/drawing/2014/main" id="{DB16D3AE-E2E8-B7FD-E47E-FCA51591EB69}"/>
+                <a16:creationId xmlns:a16="http://schemas.microsoft.com/office/drawing/2014/main" xmlns="" id="{DB16D3AE-E2E8-B7FD-E47E-FCA51591EB69}"/>
               </a:ext>
             </a:extLst>
           </p:cNvPr>
@@ -2741,10 +2741,10 @@
           <a:lstStyle/>
           <a:p>
             <a:fld id="{16444C56-C33E-40DF-9E22-53D440BA762F}" type="datetimeFigureOut">
-              <a:rPr lang="ru-UA" smtClean="0"/>
-              <a:t>04/20/2023</a:t>
+              <a:rPr lang="aa-ET" smtClean="0"/>
+              <a:t>24/04/2023</a:t>
             </a:fld>
-            <a:endParaRPr lang="ru-UA"/>
+            <a:endParaRPr lang="aa-ET"/>
           </a:p>
         </p:txBody>
       </p:sp>
@@ -2753,7 +2753,7 @@
           <p:cNvPr id="6" name="Нижний колонтитул 5">
             <a:extLst>
               <a:ext uri="{FF2B5EF4-FFF2-40B4-BE49-F238E27FC236}">
-                <a16:creationId xmlns:a16="http://schemas.microsoft.com/office/drawing/2014/main" id="{9641464D-A6C3-F0D0-7435-89D5157DD312}"/>
+                <a16:creationId xmlns:a16="http://schemas.microsoft.com/office/drawing/2014/main" xmlns="" id="{9641464D-A6C3-F0D0-7435-89D5157DD312}"/>
               </a:ext>
             </a:extLst>
           </p:cNvPr>
@@ -2769,7 +2769,7 @@
           <a:bodyPr/>
           <a:lstStyle/>
           <a:p>
-            <a:endParaRPr lang="ru-UA"/>
+            <a:endParaRPr lang="aa-ET"/>
           </a:p>
         </p:txBody>
       </p:sp>
@@ -2778,7 +2778,7 @@
           <p:cNvPr id="7" name="Номер слайда 6">
             <a:extLst>
               <a:ext uri="{FF2B5EF4-FFF2-40B4-BE49-F238E27FC236}">
-                <a16:creationId xmlns:a16="http://schemas.microsoft.com/office/drawing/2014/main" id="{202FC748-47C6-3F68-F418-0A7E827426E4}"/>
+                <a16:creationId xmlns:a16="http://schemas.microsoft.com/office/drawing/2014/main" xmlns="" id="{202FC748-47C6-3F68-F418-0A7E827426E4}"/>
               </a:ext>
             </a:extLst>
           </p:cNvPr>
@@ -2795,10 +2795,10 @@
           <a:lstStyle/>
           <a:p>
             <a:fld id="{AF07FB22-2331-42B5-BC4E-ACF1D7317D5D}" type="slidenum">
-              <a:rPr lang="ru-UA" smtClean="0"/>
+              <a:rPr lang="aa-ET" smtClean="0"/>
               <a:t>‹#›</a:t>
             </a:fld>
-            <a:endParaRPr lang="ru-UA"/>
+            <a:endParaRPr lang="aa-ET"/>
           </a:p>
         </p:txBody>
       </p:sp>
@@ -2842,7 +2842,7 @@
           <p:cNvPr id="8" name="Рисунок 7">
             <a:extLst>
               <a:ext uri="{FF2B5EF4-FFF2-40B4-BE49-F238E27FC236}">
-                <a16:creationId xmlns:a16="http://schemas.microsoft.com/office/drawing/2014/main" id="{9D5777A0-DE78-29B7-ED6C-3ACD043EEF55}"/>
+                <a16:creationId xmlns:a16="http://schemas.microsoft.com/office/drawing/2014/main" xmlns="" id="{9D5777A0-DE78-29B7-ED6C-3ACD043EEF55}"/>
               </a:ext>
             </a:extLst>
           </p:cNvPr>
@@ -2852,7 +2852,7 @@
           <p:nvPr userDrawn="1"/>
         </p:nvPicPr>
         <p:blipFill>
-          <a:blip r:embed="rId13">
+          <a:blip r:embed="rId13" cstate="print">
             <a:extLst>
               <a:ext uri="{28A0092B-C50C-407E-A947-70E740481C1C}">
                 <a14:useLocalDpi xmlns:a14="http://schemas.microsoft.com/office/drawing/2010/main" val="0"/>
@@ -2878,7 +2878,7 @@
           <p:cNvPr id="2" name="Заголовок 1">
             <a:extLst>
               <a:ext uri="{FF2B5EF4-FFF2-40B4-BE49-F238E27FC236}">
-                <a16:creationId xmlns:a16="http://schemas.microsoft.com/office/drawing/2014/main" id="{32ABEC33-7DD6-CE01-A7C5-472D51DC0133}"/>
+                <a16:creationId xmlns:a16="http://schemas.microsoft.com/office/drawing/2014/main" xmlns="" id="{32ABEC33-7DD6-CE01-A7C5-472D51DC0133}"/>
               </a:ext>
             </a:extLst>
           </p:cNvPr>
@@ -2908,7 +2908,7 @@
               <a:rPr lang="ru-RU" dirty="0"/>
               <a:t>Образец заголовка</a:t>
             </a:r>
-            <a:endParaRPr lang="ru-UA" dirty="0"/>
+            <a:endParaRPr lang="aa-ET" dirty="0"/>
           </a:p>
         </p:txBody>
       </p:sp>
@@ -2917,7 +2917,7 @@
           <p:cNvPr id="3" name="Текст 2">
             <a:extLst>
               <a:ext uri="{FF2B5EF4-FFF2-40B4-BE49-F238E27FC236}">
-                <a16:creationId xmlns:a16="http://schemas.microsoft.com/office/drawing/2014/main" id="{9DB54441-3868-F9B5-CE81-1C8421983F2A}"/>
+                <a16:creationId xmlns:a16="http://schemas.microsoft.com/office/drawing/2014/main" xmlns="" id="{9DB54441-3868-F9B5-CE81-1C8421983F2A}"/>
               </a:ext>
             </a:extLst>
           </p:cNvPr>
@@ -2976,7 +2976,7 @@
               <a:rPr lang="ru-RU"/>
               <a:t>Пятый уровень</a:t>
             </a:r>
-            <a:endParaRPr lang="ru-UA"/>
+            <a:endParaRPr lang="aa-ET"/>
           </a:p>
         </p:txBody>
       </p:sp>
@@ -2985,7 +2985,7 @@
           <p:cNvPr id="4" name="Дата 3">
             <a:extLst>
               <a:ext uri="{FF2B5EF4-FFF2-40B4-BE49-F238E27FC236}">
-                <a16:creationId xmlns:a16="http://schemas.microsoft.com/office/drawing/2014/main" id="{E0AFD82B-5424-B830-E452-12A3C87BBC9C}"/>
+                <a16:creationId xmlns:a16="http://schemas.microsoft.com/office/drawing/2014/main" xmlns="" id="{E0AFD82B-5424-B830-E452-12A3C87BBC9C}"/>
               </a:ext>
             </a:extLst>
           </p:cNvPr>
@@ -3020,10 +3020,10 @@
           </a:lstStyle>
           <a:p>
             <a:fld id="{16444C56-C33E-40DF-9E22-53D440BA762F}" type="datetimeFigureOut">
-              <a:rPr lang="ru-UA" smtClean="0"/>
-              <a:t>04/20/2023</a:t>
+              <a:rPr lang="aa-ET" smtClean="0"/>
+              <a:t>24/04/2023</a:t>
             </a:fld>
-            <a:endParaRPr lang="ru-UA"/>
+            <a:endParaRPr lang="aa-ET"/>
           </a:p>
         </p:txBody>
       </p:sp>
@@ -3032,7 +3032,7 @@
           <p:cNvPr id="5" name="Нижний колонтитул 4">
             <a:extLst>
               <a:ext uri="{FF2B5EF4-FFF2-40B4-BE49-F238E27FC236}">
-                <a16:creationId xmlns:a16="http://schemas.microsoft.com/office/drawing/2014/main" id="{1DBEB9EB-3280-D543-ADB9-BB283A709157}"/>
+                <a16:creationId xmlns:a16="http://schemas.microsoft.com/office/drawing/2014/main" xmlns="" id="{1DBEB9EB-3280-D543-ADB9-BB283A709157}"/>
               </a:ext>
             </a:extLst>
           </p:cNvPr>
@@ -3066,7 +3066,7 @@
             </a:lvl1pPr>
           </a:lstStyle>
           <a:p>
-            <a:endParaRPr lang="ru-UA"/>
+            <a:endParaRPr lang="aa-ET"/>
           </a:p>
         </p:txBody>
       </p:sp>
@@ -3075,7 +3075,7 @@
           <p:cNvPr id="6" name="Номер слайда 5">
             <a:extLst>
               <a:ext uri="{FF2B5EF4-FFF2-40B4-BE49-F238E27FC236}">
-                <a16:creationId xmlns:a16="http://schemas.microsoft.com/office/drawing/2014/main" id="{B04EC22B-92CD-6089-D32A-768CAAC0639B}"/>
+                <a16:creationId xmlns:a16="http://schemas.microsoft.com/office/drawing/2014/main" xmlns="" id="{B04EC22B-92CD-6089-D32A-768CAAC0639B}"/>
               </a:ext>
             </a:extLst>
           </p:cNvPr>
@@ -3110,10 +3110,10 @@
           </a:lstStyle>
           <a:p>
             <a:fld id="{AF07FB22-2331-42B5-BC4E-ACF1D7317D5D}" type="slidenum">
-              <a:rPr lang="ru-UA" smtClean="0"/>
+              <a:rPr lang="aa-ET" smtClean="0"/>
               <a:t>‹#›</a:t>
             </a:fld>
-            <a:endParaRPr lang="ru-UA"/>
+            <a:endParaRPr lang="aa-ET"/>
           </a:p>
         </p:txBody>
       </p:sp>
@@ -3324,7 +3324,7 @@
     </p:bodyStyle>
     <p:otherStyle>
       <a:defPPr>
-        <a:defRPr lang="ru-UA"/>
+        <a:defRPr lang="aa-ET"/>
       </a:defPPr>
       <a:lvl1pPr marL="0" algn="l" defTabSz="914400" rtl="0" eaLnBrk="1" latinLnBrk="0" hangingPunct="1">
         <a:defRPr sz="1800" kern="1200">
@@ -3443,7 +3443,7 @@
           <p:cNvPr id="2" name="Заголовок 1">
             <a:extLst>
               <a:ext uri="{FF2B5EF4-FFF2-40B4-BE49-F238E27FC236}">
-                <a16:creationId xmlns:a16="http://schemas.microsoft.com/office/drawing/2014/main" id="{A95D3AF5-04C9-C3FC-200B-FF74C82ADC2F}"/>
+                <a16:creationId xmlns:a16="http://schemas.microsoft.com/office/drawing/2014/main" xmlns="" id="{A95D3AF5-04C9-C3FC-200B-FF74C82ADC2F}"/>
               </a:ext>
             </a:extLst>
           </p:cNvPr>
@@ -3502,7 +3502,7 @@
               </a:rPr>
               <a:t>StrangesMoon</a:t>
             </a:r>
-            <a:endParaRPr lang="ru-UA" sz="9600" dirty="0">
+            <a:endParaRPr lang="aa-ET" sz="9600" dirty="0">
               <a:ln w="38100" cmpd="dbl">
                 <a:gradFill>
                   <a:gsLst>
@@ -3543,7 +3543,7 @@
           <p:cNvPr id="7" name="TextBox 6">
             <a:extLst>
               <a:ext uri="{FF2B5EF4-FFF2-40B4-BE49-F238E27FC236}">
-                <a16:creationId xmlns:a16="http://schemas.microsoft.com/office/drawing/2014/main" id="{F1B9A3D8-C743-4D69-951A-4D8375290C72}"/>
+                <a16:creationId xmlns:a16="http://schemas.microsoft.com/office/drawing/2014/main" xmlns="" id="{F1B9A3D8-C743-4D69-951A-4D8375290C72}"/>
               </a:ext>
             </a:extLst>
           </p:cNvPr>
@@ -3706,7 +3706,7 @@
           <p:cNvPr id="2" name="TextBox 1">
             <a:extLst>
               <a:ext uri="{FF2B5EF4-FFF2-40B4-BE49-F238E27FC236}">
-                <a16:creationId xmlns:a16="http://schemas.microsoft.com/office/drawing/2014/main" id="{51C43010-6EE3-4DD2-8E98-0174223F3D41}"/>
+                <a16:creationId xmlns:a16="http://schemas.microsoft.com/office/drawing/2014/main" xmlns="" id="{51C43010-6EE3-4DD2-8E98-0174223F3D41}"/>
               </a:ext>
             </a:extLst>
           </p:cNvPr>
@@ -3716,7 +3716,7 @@
         <p:spPr>
           <a:xfrm>
             <a:off x="2248632" y="2346158"/>
-            <a:ext cx="7694735" cy="1384995"/>
+            <a:ext cx="7965642" cy="1384995"/>
           </a:xfrm>
           <a:prstGeom prst="rect">
             <a:avLst/>
@@ -3733,8 +3733,17 @@
               <a:rPr lang="ru-RU" sz="6600" b="1" i="1" dirty="0">
                 <a:latin typeface="+mj-lt"/>
               </a:rPr>
-              <a:t>Спасибо за внимание</a:t>
-            </a:r>
+              <a:t>Спасибо за </a:t>
+            </a:r>
+            <a:r>
+              <a:rPr lang="ru-RU" sz="6600" b="1" i="1" dirty="0" smtClean="0">
+                <a:latin typeface="+mj-lt"/>
+              </a:rPr>
+              <a:t>внимание!</a:t>
+            </a:r>
+            <a:endParaRPr lang="ru-RU" sz="6600" b="1" i="1" dirty="0">
+              <a:latin typeface="+mj-lt"/>
+            </a:endParaRPr>
           </a:p>
           <a:p>
             <a:endParaRPr lang="ru-RU" dirty="0"/>
@@ -3776,7 +3785,7 @@
           <p:cNvPr id="4" name="TextBox 3">
             <a:extLst>
               <a:ext uri="{FF2B5EF4-FFF2-40B4-BE49-F238E27FC236}">
-                <a16:creationId xmlns:a16="http://schemas.microsoft.com/office/drawing/2014/main" id="{9FD128C9-8917-4ED8-AAE7-938A07BC8292}"/>
+                <a16:creationId xmlns:a16="http://schemas.microsoft.com/office/drawing/2014/main" xmlns="" id="{9FD128C9-8917-4ED8-AAE7-938A07BC8292}"/>
               </a:ext>
             </a:extLst>
           </p:cNvPr>
@@ -3995,7 +4004,7 @@
           <p:cNvPr id="2" name="TextBox 1">
             <a:extLst>
               <a:ext uri="{FF2B5EF4-FFF2-40B4-BE49-F238E27FC236}">
-                <a16:creationId xmlns:a16="http://schemas.microsoft.com/office/drawing/2014/main" id="{C711ABE4-EE1D-4D1F-8209-B6ABA1C6D9EB}"/>
+                <a16:creationId xmlns:a16="http://schemas.microsoft.com/office/drawing/2014/main" xmlns="" id="{C711ABE4-EE1D-4D1F-8209-B6ABA1C6D9EB}"/>
               </a:ext>
             </a:extLst>
           </p:cNvPr>
@@ -4032,7 +4041,7 @@
           <p:cNvPr id="1026" name="Picture 2">
             <a:extLst>
               <a:ext uri="{FF2B5EF4-FFF2-40B4-BE49-F238E27FC236}">
-                <a16:creationId xmlns:a16="http://schemas.microsoft.com/office/drawing/2014/main" id="{C770ED65-4993-46CD-91AA-0FB36A0FAB51}"/>
+                <a16:creationId xmlns:a16="http://schemas.microsoft.com/office/drawing/2014/main" xmlns="" id="{C770ED65-4993-46CD-91AA-0FB36A0FAB51}"/>
               </a:ext>
             </a:extLst>
           </p:cNvPr>
@@ -4114,7 +4123,7 @@
           <p:cNvPr id="2" name="TextBox 1">
             <a:extLst>
               <a:ext uri="{FF2B5EF4-FFF2-40B4-BE49-F238E27FC236}">
-                <a16:creationId xmlns:a16="http://schemas.microsoft.com/office/drawing/2014/main" id="{F8902C2B-BD9F-4DC9-9452-B25C11C2833B}"/>
+                <a16:creationId xmlns:a16="http://schemas.microsoft.com/office/drawing/2014/main" xmlns="" id="{F8902C2B-BD9F-4DC9-9452-B25C11C2833B}"/>
               </a:ext>
             </a:extLst>
           </p:cNvPr>
@@ -4151,7 +4160,7 @@
           <p:cNvPr id="2050" name="Picture 2">
             <a:extLst>
               <a:ext uri="{FF2B5EF4-FFF2-40B4-BE49-F238E27FC236}">
-                <a16:creationId xmlns:a16="http://schemas.microsoft.com/office/drawing/2014/main" id="{2ADF785E-6817-4278-A12E-904E9FF90376}"/>
+                <a16:creationId xmlns:a16="http://schemas.microsoft.com/office/drawing/2014/main" xmlns="" id="{2ADF785E-6817-4278-A12E-904E9FF90376}"/>
               </a:ext>
             </a:extLst>
           </p:cNvPr>
@@ -4203,7 +4212,7 @@
           <p:cNvPr id="2052" name="Picture 4">
             <a:extLst>
               <a:ext uri="{FF2B5EF4-FFF2-40B4-BE49-F238E27FC236}">
-                <a16:creationId xmlns:a16="http://schemas.microsoft.com/office/drawing/2014/main" id="{909B5D64-BBE3-4065-A7A0-284991ECF374}"/>
+                <a16:creationId xmlns:a16="http://schemas.microsoft.com/office/drawing/2014/main" xmlns="" id="{909B5D64-BBE3-4065-A7A0-284991ECF374}"/>
               </a:ext>
             </a:extLst>
           </p:cNvPr>
@@ -4285,7 +4294,7 @@
           <p:cNvPr id="3074" name="Picture 2">
             <a:extLst>
               <a:ext uri="{FF2B5EF4-FFF2-40B4-BE49-F238E27FC236}">
-                <a16:creationId xmlns:a16="http://schemas.microsoft.com/office/drawing/2014/main" id="{04269A2B-A180-4806-8810-3646633B9987}"/>
+                <a16:creationId xmlns:a16="http://schemas.microsoft.com/office/drawing/2014/main" xmlns="" id="{04269A2B-A180-4806-8810-3646633B9987}"/>
               </a:ext>
             </a:extLst>
           </p:cNvPr>
@@ -4309,7 +4318,7 @@
         </p:blipFill>
         <p:spPr bwMode="auto">
           <a:xfrm>
-            <a:off x="2373229" y="1358988"/>
+            <a:off x="4900361" y="1358988"/>
             <a:ext cx="2391276" cy="5185900"/>
           </a:xfrm>
           <a:prstGeom prst="rect">
@@ -4337,7 +4346,7 @@
           <p:cNvPr id="2" name="TextBox 1">
             <a:extLst>
               <a:ext uri="{FF2B5EF4-FFF2-40B4-BE49-F238E27FC236}">
-                <a16:creationId xmlns:a16="http://schemas.microsoft.com/office/drawing/2014/main" id="{85E6A607-77FA-465D-A475-B5AB64A20DC0}"/>
+                <a16:creationId xmlns:a16="http://schemas.microsoft.com/office/drawing/2014/main" xmlns="" id="{85E6A607-77FA-465D-A475-B5AB64A20DC0}"/>
               </a:ext>
             </a:extLst>
           </p:cNvPr>
@@ -4404,7 +4413,7 @@
           <p:cNvPr id="2" name="TextBox 1">
             <a:extLst>
               <a:ext uri="{FF2B5EF4-FFF2-40B4-BE49-F238E27FC236}">
-                <a16:creationId xmlns:a16="http://schemas.microsoft.com/office/drawing/2014/main" id="{3AE61DF5-98D1-431B-AECB-8FEF701876DC}"/>
+                <a16:creationId xmlns:a16="http://schemas.microsoft.com/office/drawing/2014/main" xmlns="" id="{3AE61DF5-98D1-431B-AECB-8FEF701876DC}"/>
               </a:ext>
             </a:extLst>
           </p:cNvPr>
@@ -4441,7 +4450,7 @@
           <p:cNvPr id="4098" name="Picture 2">
             <a:extLst>
               <a:ext uri="{FF2B5EF4-FFF2-40B4-BE49-F238E27FC236}">
-                <a16:creationId xmlns:a16="http://schemas.microsoft.com/office/drawing/2014/main" id="{91F69D09-35D5-46D3-8631-45BDF719E37D}"/>
+                <a16:creationId xmlns:a16="http://schemas.microsoft.com/office/drawing/2014/main" xmlns="" id="{91F69D09-35D5-46D3-8631-45BDF719E37D}"/>
               </a:ext>
             </a:extLst>
           </p:cNvPr>
@@ -4493,7 +4502,7 @@
           <p:cNvPr id="4100" name="Picture 4">
             <a:extLst>
               <a:ext uri="{FF2B5EF4-FFF2-40B4-BE49-F238E27FC236}">
-                <a16:creationId xmlns:a16="http://schemas.microsoft.com/office/drawing/2014/main" id="{9AC234E1-46B3-49CB-A992-903F98FE8C13}"/>
+                <a16:creationId xmlns:a16="http://schemas.microsoft.com/office/drawing/2014/main" xmlns="" id="{9AC234E1-46B3-49CB-A992-903F98FE8C13}"/>
               </a:ext>
             </a:extLst>
           </p:cNvPr>
@@ -4575,7 +4584,7 @@
           <p:cNvPr id="2" name="TextBox 1">
             <a:extLst>
               <a:ext uri="{FF2B5EF4-FFF2-40B4-BE49-F238E27FC236}">
-                <a16:creationId xmlns:a16="http://schemas.microsoft.com/office/drawing/2014/main" id="{23995248-2A3F-431D-A027-2744AB44D673}"/>
+                <a16:creationId xmlns:a16="http://schemas.microsoft.com/office/drawing/2014/main" xmlns="" id="{23995248-2A3F-431D-A027-2744AB44D673}"/>
               </a:ext>
             </a:extLst>
           </p:cNvPr>
@@ -4609,19 +4618,13 @@
       </p:sp>
       <p:pic>
         <p:nvPicPr>
-          <p:cNvPr id="5122" name="Picture 2">
-            <a:extLst>
-              <a:ext uri="{FF2B5EF4-FFF2-40B4-BE49-F238E27FC236}">
-                <a16:creationId xmlns:a16="http://schemas.microsoft.com/office/drawing/2014/main" id="{F8415C29-967C-4343-BCF4-4A5F971E3BEE}"/>
-              </a:ext>
-            </a:extLst>
-          </p:cNvPr>
+          <p:cNvPr id="3" name="Рисунок 2"/>
           <p:cNvPicPr>
-            <a:picLocks noChangeAspect="1" noChangeArrowheads="1"/>
+            <a:picLocks noChangeAspect="1"/>
           </p:cNvPicPr>
           <p:nvPr/>
         </p:nvPicPr>
-        <p:blipFill>
+        <p:blipFill rotWithShape="1">
           <a:blip r:embed="rId2">
             <a:extLst>
               <a:ext uri="{28A0092B-C50C-407E-A947-70E740481C1C}">
@@ -4629,34 +4632,17 @@
               </a:ext>
             </a:extLst>
           </a:blip>
-          <a:srcRect/>
-          <a:stretch>
-            <a:fillRect/>
-          </a:stretch>
+          <a:srcRect l="22887" t="3849" r="34433" b="2956"/>
+          <a:stretch/>
         </p:blipFill>
-        <p:spPr bwMode="auto">
+        <p:spPr>
           <a:xfrm>
-            <a:off x="4953133" y="1552073"/>
-            <a:ext cx="2285732" cy="4957010"/>
+            <a:off x="3880700" y="1395083"/>
+            <a:ext cx="4430598" cy="5024626"/>
           </a:xfrm>
           <a:prstGeom prst="rect">
             <a:avLst/>
           </a:prstGeom>
-          <a:noFill/>
-          <a:ln>
-            <a:solidFill>
-              <a:schemeClr val="tx1"/>
-            </a:solidFill>
-          </a:ln>
-          <a:extLst>
-            <a:ext uri="{909E8E84-426E-40DD-AFC4-6F175D3DCCD1}">
-              <a14:hiddenFill xmlns:a14="http://schemas.microsoft.com/office/drawing/2010/main">
-                <a:solidFill>
-                  <a:srgbClr val="FFFFFF"/>
-                </a:solidFill>
-              </a14:hiddenFill>
-            </a:ext>
-          </a:extLst>
         </p:spPr>
       </p:pic>
     </p:spTree>
@@ -4689,47 +4675,12 @@
           <a:chExt cx="0" cy="0"/>
         </a:xfrm>
       </p:grpSpPr>
-      <p:pic>
-        <p:nvPicPr>
-          <p:cNvPr id="2" name="Рисунок 1">
-            <a:extLst>
-              <a:ext uri="{FF2B5EF4-FFF2-40B4-BE49-F238E27FC236}">
-                <a16:creationId xmlns:a16="http://schemas.microsoft.com/office/drawing/2014/main" id="{50574A99-5D66-47B2-A48E-A9524A2D19E5}"/>
-              </a:ext>
-            </a:extLst>
-          </p:cNvPr>
-          <p:cNvPicPr>
-            <a:picLocks noChangeAspect="1"/>
-          </p:cNvPicPr>
-          <p:nvPr/>
-        </p:nvPicPr>
-        <p:blipFill>
-          <a:blip r:embed="rId2"/>
-          <a:stretch>
-            <a:fillRect/>
-          </a:stretch>
-        </p:blipFill>
-        <p:spPr>
-          <a:xfrm>
-            <a:off x="1404092" y="2465894"/>
-            <a:ext cx="9383816" cy="2334126"/>
-          </a:xfrm>
-          <a:prstGeom prst="rect">
-            <a:avLst/>
-          </a:prstGeom>
-          <a:ln>
-            <a:solidFill>
-              <a:schemeClr val="tx1"/>
-            </a:solidFill>
-          </a:ln>
-        </p:spPr>
-      </p:pic>
       <p:sp>
         <p:nvSpPr>
           <p:cNvPr id="3" name="TextBox 2">
             <a:extLst>
               <a:ext uri="{FF2B5EF4-FFF2-40B4-BE49-F238E27FC236}">
-                <a16:creationId xmlns:a16="http://schemas.microsoft.com/office/drawing/2014/main" id="{7AA465ED-6D63-42C4-B0EF-C830C99A33B8}"/>
+                <a16:creationId xmlns:a16="http://schemas.microsoft.com/office/drawing/2014/main" xmlns="" id="{7AA465ED-6D63-42C4-B0EF-C830C99A33B8}"/>
               </a:ext>
             </a:extLst>
           </p:cNvPr>
@@ -4761,6 +4712,64 @@
           </a:p>
         </p:txBody>
       </p:sp>
+      <p:pic>
+        <p:nvPicPr>
+          <p:cNvPr id="5" name="Рисунок 4"/>
+          <p:cNvPicPr>
+            <a:picLocks noChangeAspect="1"/>
+          </p:cNvPicPr>
+          <p:nvPr/>
+        </p:nvPicPr>
+        <p:blipFill rotWithShape="1">
+          <a:blip r:embed="rId2">
+            <a:extLst>
+              <a:ext uri="{28A0092B-C50C-407E-A947-70E740481C1C}">
+                <a14:useLocalDpi xmlns:a14="http://schemas.microsoft.com/office/drawing/2010/main" val="0"/>
+              </a:ext>
+            </a:extLst>
+          </a:blip>
+          <a:srcRect l="37887" t="18283" r="27938" b="56700"/>
+          <a:stretch/>
+        </p:blipFill>
+        <p:spPr>
+          <a:xfrm>
+            <a:off x="461914" y="2526384"/>
+            <a:ext cx="5471587" cy="2253006"/>
+          </a:xfrm>
+          <a:prstGeom prst="rect">
+            <a:avLst/>
+          </a:prstGeom>
+        </p:spPr>
+      </p:pic>
+      <p:pic>
+        <p:nvPicPr>
+          <p:cNvPr id="6" name="Рисунок 5"/>
+          <p:cNvPicPr>
+            <a:picLocks noChangeAspect="1"/>
+          </p:cNvPicPr>
+          <p:nvPr/>
+        </p:nvPicPr>
+        <p:blipFill rotWithShape="1">
+          <a:blip r:embed="rId3">
+            <a:extLst>
+              <a:ext uri="{28A0092B-C50C-407E-A947-70E740481C1C}">
+                <a14:useLocalDpi xmlns:a14="http://schemas.microsoft.com/office/drawing/2010/main" val="0"/>
+              </a:ext>
+            </a:extLst>
+          </a:blip>
+          <a:srcRect l="37732" t="15945" r="29407" b="60687"/>
+          <a:stretch/>
+        </p:blipFill>
+        <p:spPr>
+          <a:xfrm>
+            <a:off x="6095997" y="2639504"/>
+            <a:ext cx="5349711" cy="2139886"/>
+          </a:xfrm>
+          <a:prstGeom prst="rect">
+            <a:avLst/>
+          </a:prstGeom>
+        </p:spPr>
+      </p:pic>
     </p:spTree>
     <p:extLst>
       <p:ext uri="{BB962C8B-B14F-4D97-AF65-F5344CB8AC3E}">
@@ -4796,7 +4805,7 @@
           <p:cNvPr id="2" name="TextBox 1">
             <a:extLst>
               <a:ext uri="{FF2B5EF4-FFF2-40B4-BE49-F238E27FC236}">
-                <a16:creationId xmlns:a16="http://schemas.microsoft.com/office/drawing/2014/main" id="{FFDEC8C1-00D7-4485-943A-6606881CBD1C}"/>
+                <a16:creationId xmlns:a16="http://schemas.microsoft.com/office/drawing/2014/main" xmlns="" id="{FFDEC8C1-00D7-4485-943A-6606881CBD1C}"/>
               </a:ext>
             </a:extLst>
           </p:cNvPr>
@@ -4833,7 +4842,7 @@
           <p:cNvPr id="3" name="TextBox 2">
             <a:extLst>
               <a:ext uri="{FF2B5EF4-FFF2-40B4-BE49-F238E27FC236}">
-                <a16:creationId xmlns:a16="http://schemas.microsoft.com/office/drawing/2014/main" id="{5BD170A5-419E-4031-82D9-41E389193F5B}"/>
+                <a16:creationId xmlns:a16="http://schemas.microsoft.com/office/drawing/2014/main" xmlns="" id="{5BD170A5-419E-4031-82D9-41E389193F5B}"/>
               </a:ext>
             </a:extLst>
           </p:cNvPr>
@@ -4843,7 +4852,7 @@
         <p:spPr>
           <a:xfrm>
             <a:off x="1804553" y="1925051"/>
-            <a:ext cx="8582891" cy="2308324"/>
+            <a:ext cx="8582891" cy="3970318"/>
           </a:xfrm>
           <a:prstGeom prst="rect">
             <a:avLst/>
@@ -4868,8 +4877,17 @@
               <a:rPr lang="ru-RU" sz="3600" i="1" dirty="0">
                 <a:latin typeface="+mj-lt"/>
               </a:rPr>
-              <a:t>В будущем …</a:t>
-            </a:r>
+              <a:t>В </a:t>
+            </a:r>
+            <a:r>
+              <a:rPr lang="ru-RU" sz="3600" i="1" dirty="0" smtClean="0">
+                <a:latin typeface="+mj-lt"/>
+              </a:rPr>
+              <a:t>будущем мы хотим добавить фотографии к профилям пользователей и сделать бота более удобным в использовании.</a:t>
+            </a:r>
+            <a:endParaRPr lang="ru-RU" sz="3600" i="1" dirty="0">
+              <a:latin typeface="+mj-lt"/>
+            </a:endParaRPr>
           </a:p>
           <a:p>
             <a:endParaRPr lang="ru-RU" sz="3600" dirty="0">

--- a/Презентация.pptx
+++ b/Презентация.pptx
@@ -143,7 +143,7 @@
           <p:cNvPr id="8" name="Рисунок 7">
             <a:extLst>
               <a:ext uri="{FF2B5EF4-FFF2-40B4-BE49-F238E27FC236}">
-                <a16:creationId xmlns="" xmlns:a16="http://schemas.microsoft.com/office/drawing/2014/main" id="{C597A483-21F6-BDC9-5144-8583EA5FB617}"/>
+                <a16:creationId xmlns:a16="http://schemas.microsoft.com/office/drawing/2014/main" id="{C597A483-21F6-BDC9-5144-8583EA5FB617}"/>
               </a:ext>
             </a:extLst>
           </p:cNvPr>
@@ -179,7 +179,7 @@
           <p:cNvPr id="2" name="Заголовок 1">
             <a:extLst>
               <a:ext uri="{FF2B5EF4-FFF2-40B4-BE49-F238E27FC236}">
-                <a16:creationId xmlns="" xmlns:a16="http://schemas.microsoft.com/office/drawing/2014/main" id="{5F5A1FFA-2F9D-20BB-1E4A-2A0A1F3F6F69}"/>
+                <a16:creationId xmlns:a16="http://schemas.microsoft.com/office/drawing/2014/main" id="{5F5A1FFA-2F9D-20BB-1E4A-2A0A1F3F6F69}"/>
               </a:ext>
             </a:extLst>
           </p:cNvPr>
@@ -223,7 +223,7 @@
           <p:cNvPr id="3" name="Подзаголовок 2">
             <a:extLst>
               <a:ext uri="{FF2B5EF4-FFF2-40B4-BE49-F238E27FC236}">
-                <a16:creationId xmlns="" xmlns:a16="http://schemas.microsoft.com/office/drawing/2014/main" id="{2319040D-A177-5D01-5B0F-9FD13FE392F5}"/>
+                <a16:creationId xmlns:a16="http://schemas.microsoft.com/office/drawing/2014/main" id="{2319040D-A177-5D01-5B0F-9FD13FE392F5}"/>
               </a:ext>
             </a:extLst>
           </p:cNvPr>
@@ -298,7 +298,7 @@
           <p:cNvPr id="4" name="Дата 3">
             <a:extLst>
               <a:ext uri="{FF2B5EF4-FFF2-40B4-BE49-F238E27FC236}">
-                <a16:creationId xmlns="" xmlns:a16="http://schemas.microsoft.com/office/drawing/2014/main" id="{4BDC5D44-E179-DE8C-4CFD-9DD7AC15BDEE}"/>
+                <a16:creationId xmlns:a16="http://schemas.microsoft.com/office/drawing/2014/main" id="{4BDC5D44-E179-DE8C-4CFD-9DD7AC15BDEE}"/>
               </a:ext>
             </a:extLst>
           </p:cNvPr>
@@ -316,7 +316,7 @@
           <a:p>
             <a:fld id="{16444C56-C33E-40DF-9E22-53D440BA762F}" type="datetimeFigureOut">
               <a:rPr lang="aa-ET" smtClean="0"/>
-              <a:t>24/04/2023</a:t>
+              <a:t>04/24/2023</a:t>
             </a:fld>
             <a:endParaRPr lang="aa-ET"/>
           </a:p>
@@ -327,7 +327,7 @@
           <p:cNvPr id="5" name="Нижний колонтитул 4">
             <a:extLst>
               <a:ext uri="{FF2B5EF4-FFF2-40B4-BE49-F238E27FC236}">
-                <a16:creationId xmlns="" xmlns:a16="http://schemas.microsoft.com/office/drawing/2014/main" id="{FC15EF29-F06B-E9BA-434B-07254B810B7C}"/>
+                <a16:creationId xmlns:a16="http://schemas.microsoft.com/office/drawing/2014/main" id="{FC15EF29-F06B-E9BA-434B-07254B810B7C}"/>
               </a:ext>
             </a:extLst>
           </p:cNvPr>
@@ -352,7 +352,7 @@
           <p:cNvPr id="6" name="Номер слайда 5">
             <a:extLst>
               <a:ext uri="{FF2B5EF4-FFF2-40B4-BE49-F238E27FC236}">
-                <a16:creationId xmlns="" xmlns:a16="http://schemas.microsoft.com/office/drawing/2014/main" id="{F231155D-8395-0369-E08A-822261BCE22D}"/>
+                <a16:creationId xmlns:a16="http://schemas.microsoft.com/office/drawing/2014/main" id="{F231155D-8395-0369-E08A-822261BCE22D}"/>
               </a:ext>
             </a:extLst>
           </p:cNvPr>
@@ -411,7 +411,7 @@
           <p:cNvPr id="2" name="Заголовок 1">
             <a:extLst>
               <a:ext uri="{FF2B5EF4-FFF2-40B4-BE49-F238E27FC236}">
-                <a16:creationId xmlns="" xmlns:a16="http://schemas.microsoft.com/office/drawing/2014/main" id="{A57BCC74-F2E6-F4FA-DF8F-7CFF6B9C857D}"/>
+                <a16:creationId xmlns:a16="http://schemas.microsoft.com/office/drawing/2014/main" id="{A57BCC74-F2E6-F4FA-DF8F-7CFF6B9C857D}"/>
               </a:ext>
             </a:extLst>
           </p:cNvPr>
@@ -440,7 +440,7 @@
           <p:cNvPr id="3" name="Вертикальный текст 2">
             <a:extLst>
               <a:ext uri="{FF2B5EF4-FFF2-40B4-BE49-F238E27FC236}">
-                <a16:creationId xmlns="" xmlns:a16="http://schemas.microsoft.com/office/drawing/2014/main" id="{D9084FE2-BED9-4DFF-5338-22193479061F}"/>
+                <a16:creationId xmlns:a16="http://schemas.microsoft.com/office/drawing/2014/main" id="{D9084FE2-BED9-4DFF-5338-22193479061F}"/>
               </a:ext>
             </a:extLst>
           </p:cNvPr>
@@ -498,7 +498,7 @@
           <p:cNvPr id="4" name="Дата 3">
             <a:extLst>
               <a:ext uri="{FF2B5EF4-FFF2-40B4-BE49-F238E27FC236}">
-                <a16:creationId xmlns="" xmlns:a16="http://schemas.microsoft.com/office/drawing/2014/main" id="{0777FEAC-9D9A-2D9A-5605-60B1B793C043}"/>
+                <a16:creationId xmlns:a16="http://schemas.microsoft.com/office/drawing/2014/main" id="{0777FEAC-9D9A-2D9A-5605-60B1B793C043}"/>
               </a:ext>
             </a:extLst>
           </p:cNvPr>
@@ -516,7 +516,7 @@
           <a:p>
             <a:fld id="{16444C56-C33E-40DF-9E22-53D440BA762F}" type="datetimeFigureOut">
               <a:rPr lang="aa-ET" smtClean="0"/>
-              <a:t>24/04/2023</a:t>
+              <a:t>04/24/2023</a:t>
             </a:fld>
             <a:endParaRPr lang="aa-ET"/>
           </a:p>
@@ -527,7 +527,7 @@
           <p:cNvPr id="5" name="Нижний колонтитул 4">
             <a:extLst>
               <a:ext uri="{FF2B5EF4-FFF2-40B4-BE49-F238E27FC236}">
-                <a16:creationId xmlns="" xmlns:a16="http://schemas.microsoft.com/office/drawing/2014/main" id="{3BB4CEE2-51BF-680C-329A-B544F59237E6}"/>
+                <a16:creationId xmlns:a16="http://schemas.microsoft.com/office/drawing/2014/main" id="{3BB4CEE2-51BF-680C-329A-B544F59237E6}"/>
               </a:ext>
             </a:extLst>
           </p:cNvPr>
@@ -552,7 +552,7 @@
           <p:cNvPr id="6" name="Номер слайда 5">
             <a:extLst>
               <a:ext uri="{FF2B5EF4-FFF2-40B4-BE49-F238E27FC236}">
-                <a16:creationId xmlns="" xmlns:a16="http://schemas.microsoft.com/office/drawing/2014/main" id="{7EB96943-DA46-0FA1-7216-6D2D71475B5E}"/>
+                <a16:creationId xmlns:a16="http://schemas.microsoft.com/office/drawing/2014/main" id="{7EB96943-DA46-0FA1-7216-6D2D71475B5E}"/>
               </a:ext>
             </a:extLst>
           </p:cNvPr>
@@ -611,7 +611,7 @@
           <p:cNvPr id="2" name="Вертикальный заголовок 1">
             <a:extLst>
               <a:ext uri="{FF2B5EF4-FFF2-40B4-BE49-F238E27FC236}">
-                <a16:creationId xmlns="" xmlns:a16="http://schemas.microsoft.com/office/drawing/2014/main" id="{E167B3BC-2AF2-DCF3-FFE5-B5CCC0DF8105}"/>
+                <a16:creationId xmlns:a16="http://schemas.microsoft.com/office/drawing/2014/main" id="{E167B3BC-2AF2-DCF3-FFE5-B5CCC0DF8105}"/>
               </a:ext>
             </a:extLst>
           </p:cNvPr>
@@ -645,7 +645,7 @@
           <p:cNvPr id="3" name="Вертикальный текст 2">
             <a:extLst>
               <a:ext uri="{FF2B5EF4-FFF2-40B4-BE49-F238E27FC236}">
-                <a16:creationId xmlns="" xmlns:a16="http://schemas.microsoft.com/office/drawing/2014/main" id="{A3FEEA4D-B546-F3D0-8FA2-2E377D3CCA01}"/>
+                <a16:creationId xmlns:a16="http://schemas.microsoft.com/office/drawing/2014/main" id="{A3FEEA4D-B546-F3D0-8FA2-2E377D3CCA01}"/>
               </a:ext>
             </a:extLst>
           </p:cNvPr>
@@ -708,7 +708,7 @@
           <p:cNvPr id="4" name="Дата 3">
             <a:extLst>
               <a:ext uri="{FF2B5EF4-FFF2-40B4-BE49-F238E27FC236}">
-                <a16:creationId xmlns="" xmlns:a16="http://schemas.microsoft.com/office/drawing/2014/main" id="{D471A60E-E828-F806-2FF2-D99A490DB6FE}"/>
+                <a16:creationId xmlns:a16="http://schemas.microsoft.com/office/drawing/2014/main" id="{D471A60E-E828-F806-2FF2-D99A490DB6FE}"/>
               </a:ext>
             </a:extLst>
           </p:cNvPr>
@@ -726,7 +726,7 @@
           <a:p>
             <a:fld id="{16444C56-C33E-40DF-9E22-53D440BA762F}" type="datetimeFigureOut">
               <a:rPr lang="aa-ET" smtClean="0"/>
-              <a:t>24/04/2023</a:t>
+              <a:t>04/24/2023</a:t>
             </a:fld>
             <a:endParaRPr lang="aa-ET"/>
           </a:p>
@@ -737,7 +737,7 @@
           <p:cNvPr id="5" name="Нижний колонтитул 4">
             <a:extLst>
               <a:ext uri="{FF2B5EF4-FFF2-40B4-BE49-F238E27FC236}">
-                <a16:creationId xmlns="" xmlns:a16="http://schemas.microsoft.com/office/drawing/2014/main" id="{66111904-CF68-692F-0CBE-521E81203EAE}"/>
+                <a16:creationId xmlns:a16="http://schemas.microsoft.com/office/drawing/2014/main" id="{66111904-CF68-692F-0CBE-521E81203EAE}"/>
               </a:ext>
             </a:extLst>
           </p:cNvPr>
@@ -762,7 +762,7 @@
           <p:cNvPr id="6" name="Номер слайда 5">
             <a:extLst>
               <a:ext uri="{FF2B5EF4-FFF2-40B4-BE49-F238E27FC236}">
-                <a16:creationId xmlns="" xmlns:a16="http://schemas.microsoft.com/office/drawing/2014/main" id="{6DA30F45-DB0E-C692-AC62-BE0AA4940BBD}"/>
+                <a16:creationId xmlns:a16="http://schemas.microsoft.com/office/drawing/2014/main" id="{6DA30F45-DB0E-C692-AC62-BE0AA4940BBD}"/>
               </a:ext>
             </a:extLst>
           </p:cNvPr>
@@ -821,7 +821,7 @@
           <p:cNvPr id="2" name="Заголовок 1">
             <a:extLst>
               <a:ext uri="{FF2B5EF4-FFF2-40B4-BE49-F238E27FC236}">
-                <a16:creationId xmlns="" xmlns:a16="http://schemas.microsoft.com/office/drawing/2014/main" id="{4ABC4800-BD60-D9C6-E856-0B1A9BE95C61}"/>
+                <a16:creationId xmlns:a16="http://schemas.microsoft.com/office/drawing/2014/main" id="{4ABC4800-BD60-D9C6-E856-0B1A9BE95C61}"/>
               </a:ext>
             </a:extLst>
           </p:cNvPr>
@@ -850,7 +850,7 @@
           <p:cNvPr id="3" name="Объект 2">
             <a:extLst>
               <a:ext uri="{FF2B5EF4-FFF2-40B4-BE49-F238E27FC236}">
-                <a16:creationId xmlns="" xmlns:a16="http://schemas.microsoft.com/office/drawing/2014/main" id="{6744C6A0-F4BF-1117-729B-F19DAE2646A8}"/>
+                <a16:creationId xmlns:a16="http://schemas.microsoft.com/office/drawing/2014/main" id="{6744C6A0-F4BF-1117-729B-F19DAE2646A8}"/>
               </a:ext>
             </a:extLst>
           </p:cNvPr>
@@ -908,7 +908,7 @@
           <p:cNvPr id="4" name="Дата 3">
             <a:extLst>
               <a:ext uri="{FF2B5EF4-FFF2-40B4-BE49-F238E27FC236}">
-                <a16:creationId xmlns="" xmlns:a16="http://schemas.microsoft.com/office/drawing/2014/main" id="{034A0E2D-D433-449D-4BBE-8B32CE7DC8DC}"/>
+                <a16:creationId xmlns:a16="http://schemas.microsoft.com/office/drawing/2014/main" id="{034A0E2D-D433-449D-4BBE-8B32CE7DC8DC}"/>
               </a:ext>
             </a:extLst>
           </p:cNvPr>
@@ -926,7 +926,7 @@
           <a:p>
             <a:fld id="{16444C56-C33E-40DF-9E22-53D440BA762F}" type="datetimeFigureOut">
               <a:rPr lang="aa-ET" smtClean="0"/>
-              <a:t>24/04/2023</a:t>
+              <a:t>04/24/2023</a:t>
             </a:fld>
             <a:endParaRPr lang="aa-ET"/>
           </a:p>
@@ -937,7 +937,7 @@
           <p:cNvPr id="5" name="Нижний колонтитул 4">
             <a:extLst>
               <a:ext uri="{FF2B5EF4-FFF2-40B4-BE49-F238E27FC236}">
-                <a16:creationId xmlns="" xmlns:a16="http://schemas.microsoft.com/office/drawing/2014/main" id="{0CFD3A00-D42C-2A15-7FE6-0253B94F215F}"/>
+                <a16:creationId xmlns:a16="http://schemas.microsoft.com/office/drawing/2014/main" id="{0CFD3A00-D42C-2A15-7FE6-0253B94F215F}"/>
               </a:ext>
             </a:extLst>
           </p:cNvPr>
@@ -962,7 +962,7 @@
           <p:cNvPr id="6" name="Номер слайда 5">
             <a:extLst>
               <a:ext uri="{FF2B5EF4-FFF2-40B4-BE49-F238E27FC236}">
-                <a16:creationId xmlns="" xmlns:a16="http://schemas.microsoft.com/office/drawing/2014/main" id="{0420D062-5714-7D54-4D06-2626FEF6AFA7}"/>
+                <a16:creationId xmlns:a16="http://schemas.microsoft.com/office/drawing/2014/main" id="{0420D062-5714-7D54-4D06-2626FEF6AFA7}"/>
               </a:ext>
             </a:extLst>
           </p:cNvPr>
@@ -1021,7 +1021,7 @@
           <p:cNvPr id="2" name="Заголовок 1">
             <a:extLst>
               <a:ext uri="{FF2B5EF4-FFF2-40B4-BE49-F238E27FC236}">
-                <a16:creationId xmlns="" xmlns:a16="http://schemas.microsoft.com/office/drawing/2014/main" id="{F35F26E8-96B7-FCEB-4442-39C7A7384C25}"/>
+                <a16:creationId xmlns:a16="http://schemas.microsoft.com/office/drawing/2014/main" id="{F35F26E8-96B7-FCEB-4442-39C7A7384C25}"/>
               </a:ext>
             </a:extLst>
           </p:cNvPr>
@@ -1059,7 +1059,7 @@
           <p:cNvPr id="3" name="Текст 2">
             <a:extLst>
               <a:ext uri="{FF2B5EF4-FFF2-40B4-BE49-F238E27FC236}">
-                <a16:creationId xmlns="" xmlns:a16="http://schemas.microsoft.com/office/drawing/2014/main" id="{DA2598FD-1222-29D6-659D-E5DF51944243}"/>
+                <a16:creationId xmlns:a16="http://schemas.microsoft.com/office/drawing/2014/main" id="{DA2598FD-1222-29D6-659D-E5DF51944243}"/>
               </a:ext>
             </a:extLst>
           </p:cNvPr>
@@ -1184,7 +1184,7 @@
           <p:cNvPr id="4" name="Дата 3">
             <a:extLst>
               <a:ext uri="{FF2B5EF4-FFF2-40B4-BE49-F238E27FC236}">
-                <a16:creationId xmlns="" xmlns:a16="http://schemas.microsoft.com/office/drawing/2014/main" id="{4C6D7D94-8F05-8C58-845D-76AFA6457B15}"/>
+                <a16:creationId xmlns:a16="http://schemas.microsoft.com/office/drawing/2014/main" id="{4C6D7D94-8F05-8C58-845D-76AFA6457B15}"/>
               </a:ext>
             </a:extLst>
           </p:cNvPr>
@@ -1202,7 +1202,7 @@
           <a:p>
             <a:fld id="{16444C56-C33E-40DF-9E22-53D440BA762F}" type="datetimeFigureOut">
               <a:rPr lang="aa-ET" smtClean="0"/>
-              <a:t>24/04/2023</a:t>
+              <a:t>04/24/2023</a:t>
             </a:fld>
             <a:endParaRPr lang="aa-ET"/>
           </a:p>
@@ -1213,7 +1213,7 @@
           <p:cNvPr id="5" name="Нижний колонтитул 4">
             <a:extLst>
               <a:ext uri="{FF2B5EF4-FFF2-40B4-BE49-F238E27FC236}">
-                <a16:creationId xmlns="" xmlns:a16="http://schemas.microsoft.com/office/drawing/2014/main" id="{1833E20E-6E9E-4B44-8245-86CF00F4F573}"/>
+                <a16:creationId xmlns:a16="http://schemas.microsoft.com/office/drawing/2014/main" id="{1833E20E-6E9E-4B44-8245-86CF00F4F573}"/>
               </a:ext>
             </a:extLst>
           </p:cNvPr>
@@ -1238,7 +1238,7 @@
           <p:cNvPr id="6" name="Номер слайда 5">
             <a:extLst>
               <a:ext uri="{FF2B5EF4-FFF2-40B4-BE49-F238E27FC236}">
-                <a16:creationId xmlns="" xmlns:a16="http://schemas.microsoft.com/office/drawing/2014/main" id="{34E8FD6D-A9DF-AFBA-5BFB-0F2EF89FDA1D}"/>
+                <a16:creationId xmlns:a16="http://schemas.microsoft.com/office/drawing/2014/main" id="{34E8FD6D-A9DF-AFBA-5BFB-0F2EF89FDA1D}"/>
               </a:ext>
             </a:extLst>
           </p:cNvPr>
@@ -1297,7 +1297,7 @@
           <p:cNvPr id="2" name="Заголовок 1">
             <a:extLst>
               <a:ext uri="{FF2B5EF4-FFF2-40B4-BE49-F238E27FC236}">
-                <a16:creationId xmlns="" xmlns:a16="http://schemas.microsoft.com/office/drawing/2014/main" id="{16BF576D-0450-6EEB-F2E8-66FA8C4CEDE0}"/>
+                <a16:creationId xmlns:a16="http://schemas.microsoft.com/office/drawing/2014/main" id="{16BF576D-0450-6EEB-F2E8-66FA8C4CEDE0}"/>
               </a:ext>
             </a:extLst>
           </p:cNvPr>
@@ -1326,7 +1326,7 @@
           <p:cNvPr id="3" name="Объект 2">
             <a:extLst>
               <a:ext uri="{FF2B5EF4-FFF2-40B4-BE49-F238E27FC236}">
-                <a16:creationId xmlns="" xmlns:a16="http://schemas.microsoft.com/office/drawing/2014/main" id="{25018AEC-4D36-F683-C23E-677E07B04F29}"/>
+                <a16:creationId xmlns:a16="http://schemas.microsoft.com/office/drawing/2014/main" id="{25018AEC-4D36-F683-C23E-677E07B04F29}"/>
               </a:ext>
             </a:extLst>
           </p:cNvPr>
@@ -1389,7 +1389,7 @@
           <p:cNvPr id="4" name="Объект 3">
             <a:extLst>
               <a:ext uri="{FF2B5EF4-FFF2-40B4-BE49-F238E27FC236}">
-                <a16:creationId xmlns="" xmlns:a16="http://schemas.microsoft.com/office/drawing/2014/main" id="{E0F247A4-16DD-7B74-22EB-B21543854BBF}"/>
+                <a16:creationId xmlns:a16="http://schemas.microsoft.com/office/drawing/2014/main" id="{E0F247A4-16DD-7B74-22EB-B21543854BBF}"/>
               </a:ext>
             </a:extLst>
           </p:cNvPr>
@@ -1452,7 +1452,7 @@
           <p:cNvPr id="5" name="Дата 4">
             <a:extLst>
               <a:ext uri="{FF2B5EF4-FFF2-40B4-BE49-F238E27FC236}">
-                <a16:creationId xmlns="" xmlns:a16="http://schemas.microsoft.com/office/drawing/2014/main" id="{874C7B93-C94A-D8A5-48FF-277B3D8E0593}"/>
+                <a16:creationId xmlns:a16="http://schemas.microsoft.com/office/drawing/2014/main" id="{874C7B93-C94A-D8A5-48FF-277B3D8E0593}"/>
               </a:ext>
             </a:extLst>
           </p:cNvPr>
@@ -1470,7 +1470,7 @@
           <a:p>
             <a:fld id="{16444C56-C33E-40DF-9E22-53D440BA762F}" type="datetimeFigureOut">
               <a:rPr lang="aa-ET" smtClean="0"/>
-              <a:t>24/04/2023</a:t>
+              <a:t>04/24/2023</a:t>
             </a:fld>
             <a:endParaRPr lang="aa-ET"/>
           </a:p>
@@ -1481,7 +1481,7 @@
           <p:cNvPr id="6" name="Нижний колонтитул 5">
             <a:extLst>
               <a:ext uri="{FF2B5EF4-FFF2-40B4-BE49-F238E27FC236}">
-                <a16:creationId xmlns="" xmlns:a16="http://schemas.microsoft.com/office/drawing/2014/main" id="{0A114D3D-9BB4-BBDA-E91F-7267EBDB7112}"/>
+                <a16:creationId xmlns:a16="http://schemas.microsoft.com/office/drawing/2014/main" id="{0A114D3D-9BB4-BBDA-E91F-7267EBDB7112}"/>
               </a:ext>
             </a:extLst>
           </p:cNvPr>
@@ -1506,7 +1506,7 @@
           <p:cNvPr id="7" name="Номер слайда 6">
             <a:extLst>
               <a:ext uri="{FF2B5EF4-FFF2-40B4-BE49-F238E27FC236}">
-                <a16:creationId xmlns="" xmlns:a16="http://schemas.microsoft.com/office/drawing/2014/main" id="{9C3CD1F5-20C8-2162-F91C-DFC7A982DBBB}"/>
+                <a16:creationId xmlns:a16="http://schemas.microsoft.com/office/drawing/2014/main" id="{9C3CD1F5-20C8-2162-F91C-DFC7A982DBBB}"/>
               </a:ext>
             </a:extLst>
           </p:cNvPr>
@@ -1565,7 +1565,7 @@
           <p:cNvPr id="2" name="Заголовок 1">
             <a:extLst>
               <a:ext uri="{FF2B5EF4-FFF2-40B4-BE49-F238E27FC236}">
-                <a16:creationId xmlns="" xmlns:a16="http://schemas.microsoft.com/office/drawing/2014/main" id="{DC442B8F-2309-B81C-D23A-6BB0A57984F0}"/>
+                <a16:creationId xmlns:a16="http://schemas.microsoft.com/office/drawing/2014/main" id="{DC442B8F-2309-B81C-D23A-6BB0A57984F0}"/>
               </a:ext>
             </a:extLst>
           </p:cNvPr>
@@ -1599,7 +1599,7 @@
           <p:cNvPr id="3" name="Текст 2">
             <a:extLst>
               <a:ext uri="{FF2B5EF4-FFF2-40B4-BE49-F238E27FC236}">
-                <a16:creationId xmlns="" xmlns:a16="http://schemas.microsoft.com/office/drawing/2014/main" id="{F90DC337-50F2-43FC-59E9-195A4C6D45B7}"/>
+                <a16:creationId xmlns:a16="http://schemas.microsoft.com/office/drawing/2014/main" id="{F90DC337-50F2-43FC-59E9-195A4C6D45B7}"/>
               </a:ext>
             </a:extLst>
           </p:cNvPr>
@@ -1670,7 +1670,7 @@
           <p:cNvPr id="4" name="Объект 3">
             <a:extLst>
               <a:ext uri="{FF2B5EF4-FFF2-40B4-BE49-F238E27FC236}">
-                <a16:creationId xmlns="" xmlns:a16="http://schemas.microsoft.com/office/drawing/2014/main" id="{11E870E2-0FED-FFF1-B1F1-FF13724E0726}"/>
+                <a16:creationId xmlns:a16="http://schemas.microsoft.com/office/drawing/2014/main" id="{11E870E2-0FED-FFF1-B1F1-FF13724E0726}"/>
               </a:ext>
             </a:extLst>
           </p:cNvPr>
@@ -1733,7 +1733,7 @@
           <p:cNvPr id="5" name="Текст 4">
             <a:extLst>
               <a:ext uri="{FF2B5EF4-FFF2-40B4-BE49-F238E27FC236}">
-                <a16:creationId xmlns="" xmlns:a16="http://schemas.microsoft.com/office/drawing/2014/main" id="{820DF6B5-889A-3EDA-D84E-16380F66416D}"/>
+                <a16:creationId xmlns:a16="http://schemas.microsoft.com/office/drawing/2014/main" id="{820DF6B5-889A-3EDA-D84E-16380F66416D}"/>
               </a:ext>
             </a:extLst>
           </p:cNvPr>
@@ -1804,7 +1804,7 @@
           <p:cNvPr id="6" name="Объект 5">
             <a:extLst>
               <a:ext uri="{FF2B5EF4-FFF2-40B4-BE49-F238E27FC236}">
-                <a16:creationId xmlns="" xmlns:a16="http://schemas.microsoft.com/office/drawing/2014/main" id="{23ACA0AA-DFDF-B3A4-8F76-5343C5EB4C3E}"/>
+                <a16:creationId xmlns:a16="http://schemas.microsoft.com/office/drawing/2014/main" id="{23ACA0AA-DFDF-B3A4-8F76-5343C5EB4C3E}"/>
               </a:ext>
             </a:extLst>
           </p:cNvPr>
@@ -1867,7 +1867,7 @@
           <p:cNvPr id="7" name="Дата 6">
             <a:extLst>
               <a:ext uri="{FF2B5EF4-FFF2-40B4-BE49-F238E27FC236}">
-                <a16:creationId xmlns="" xmlns:a16="http://schemas.microsoft.com/office/drawing/2014/main" id="{CCDF22CA-337C-4509-8D09-A41EDF494EB3}"/>
+                <a16:creationId xmlns:a16="http://schemas.microsoft.com/office/drawing/2014/main" id="{CCDF22CA-337C-4509-8D09-A41EDF494EB3}"/>
               </a:ext>
             </a:extLst>
           </p:cNvPr>
@@ -1885,7 +1885,7 @@
           <a:p>
             <a:fld id="{16444C56-C33E-40DF-9E22-53D440BA762F}" type="datetimeFigureOut">
               <a:rPr lang="aa-ET" smtClean="0"/>
-              <a:t>24/04/2023</a:t>
+              <a:t>04/24/2023</a:t>
             </a:fld>
             <a:endParaRPr lang="aa-ET"/>
           </a:p>
@@ -1896,7 +1896,7 @@
           <p:cNvPr id="8" name="Нижний колонтитул 7">
             <a:extLst>
               <a:ext uri="{FF2B5EF4-FFF2-40B4-BE49-F238E27FC236}">
-                <a16:creationId xmlns="" xmlns:a16="http://schemas.microsoft.com/office/drawing/2014/main" id="{BE6ACAB1-9047-582D-32DE-DB12629F3BCD}"/>
+                <a16:creationId xmlns:a16="http://schemas.microsoft.com/office/drawing/2014/main" id="{BE6ACAB1-9047-582D-32DE-DB12629F3BCD}"/>
               </a:ext>
             </a:extLst>
           </p:cNvPr>
@@ -1921,7 +1921,7 @@
           <p:cNvPr id="9" name="Номер слайда 8">
             <a:extLst>
               <a:ext uri="{FF2B5EF4-FFF2-40B4-BE49-F238E27FC236}">
-                <a16:creationId xmlns="" xmlns:a16="http://schemas.microsoft.com/office/drawing/2014/main" id="{4FCC141F-672E-040E-BAE4-78238870E512}"/>
+                <a16:creationId xmlns:a16="http://schemas.microsoft.com/office/drawing/2014/main" id="{4FCC141F-672E-040E-BAE4-78238870E512}"/>
               </a:ext>
             </a:extLst>
           </p:cNvPr>
@@ -1980,7 +1980,7 @@
           <p:cNvPr id="2" name="Заголовок 1">
             <a:extLst>
               <a:ext uri="{FF2B5EF4-FFF2-40B4-BE49-F238E27FC236}">
-                <a16:creationId xmlns="" xmlns:a16="http://schemas.microsoft.com/office/drawing/2014/main" id="{A0CA070D-29CE-98AF-E38D-113E05C60F1D}"/>
+                <a16:creationId xmlns:a16="http://schemas.microsoft.com/office/drawing/2014/main" id="{A0CA070D-29CE-98AF-E38D-113E05C60F1D}"/>
               </a:ext>
             </a:extLst>
           </p:cNvPr>
@@ -2009,7 +2009,7 @@
           <p:cNvPr id="3" name="Дата 2">
             <a:extLst>
               <a:ext uri="{FF2B5EF4-FFF2-40B4-BE49-F238E27FC236}">
-                <a16:creationId xmlns="" xmlns:a16="http://schemas.microsoft.com/office/drawing/2014/main" id="{6BEE49F4-4C75-82EE-F42C-1F9BD3072C52}"/>
+                <a16:creationId xmlns:a16="http://schemas.microsoft.com/office/drawing/2014/main" id="{6BEE49F4-4C75-82EE-F42C-1F9BD3072C52}"/>
               </a:ext>
             </a:extLst>
           </p:cNvPr>
@@ -2027,7 +2027,7 @@
           <a:p>
             <a:fld id="{16444C56-C33E-40DF-9E22-53D440BA762F}" type="datetimeFigureOut">
               <a:rPr lang="aa-ET" smtClean="0"/>
-              <a:t>24/04/2023</a:t>
+              <a:t>04/24/2023</a:t>
             </a:fld>
             <a:endParaRPr lang="aa-ET"/>
           </a:p>
@@ -2038,7 +2038,7 @@
           <p:cNvPr id="4" name="Нижний колонтитул 3">
             <a:extLst>
               <a:ext uri="{FF2B5EF4-FFF2-40B4-BE49-F238E27FC236}">
-                <a16:creationId xmlns="" xmlns:a16="http://schemas.microsoft.com/office/drawing/2014/main" id="{040F3652-8425-936F-6D03-7E368FBBAE93}"/>
+                <a16:creationId xmlns:a16="http://schemas.microsoft.com/office/drawing/2014/main" id="{040F3652-8425-936F-6D03-7E368FBBAE93}"/>
               </a:ext>
             </a:extLst>
           </p:cNvPr>
@@ -2063,7 +2063,7 @@
           <p:cNvPr id="5" name="Номер слайда 4">
             <a:extLst>
               <a:ext uri="{FF2B5EF4-FFF2-40B4-BE49-F238E27FC236}">
-                <a16:creationId xmlns="" xmlns:a16="http://schemas.microsoft.com/office/drawing/2014/main" id="{FC5A42AF-CB7C-4425-A4E3-7502DB93AE98}"/>
+                <a16:creationId xmlns:a16="http://schemas.microsoft.com/office/drawing/2014/main" id="{FC5A42AF-CB7C-4425-A4E3-7502DB93AE98}"/>
               </a:ext>
             </a:extLst>
           </p:cNvPr>
@@ -2122,7 +2122,7 @@
           <p:cNvPr id="2" name="Дата 1">
             <a:extLst>
               <a:ext uri="{FF2B5EF4-FFF2-40B4-BE49-F238E27FC236}">
-                <a16:creationId xmlns="" xmlns:a16="http://schemas.microsoft.com/office/drawing/2014/main" id="{F934BBA6-CE0D-6455-6BC2-7C28F83B5059}"/>
+                <a16:creationId xmlns:a16="http://schemas.microsoft.com/office/drawing/2014/main" id="{F934BBA6-CE0D-6455-6BC2-7C28F83B5059}"/>
               </a:ext>
             </a:extLst>
           </p:cNvPr>
@@ -2140,7 +2140,7 @@
           <a:p>
             <a:fld id="{16444C56-C33E-40DF-9E22-53D440BA762F}" type="datetimeFigureOut">
               <a:rPr lang="aa-ET" smtClean="0"/>
-              <a:t>24/04/2023</a:t>
+              <a:t>04/24/2023</a:t>
             </a:fld>
             <a:endParaRPr lang="aa-ET"/>
           </a:p>
@@ -2151,7 +2151,7 @@
           <p:cNvPr id="3" name="Нижний колонтитул 2">
             <a:extLst>
               <a:ext uri="{FF2B5EF4-FFF2-40B4-BE49-F238E27FC236}">
-                <a16:creationId xmlns="" xmlns:a16="http://schemas.microsoft.com/office/drawing/2014/main" id="{4EC3E260-8A7E-27FF-743E-9658DDAF477E}"/>
+                <a16:creationId xmlns:a16="http://schemas.microsoft.com/office/drawing/2014/main" id="{4EC3E260-8A7E-27FF-743E-9658DDAF477E}"/>
               </a:ext>
             </a:extLst>
           </p:cNvPr>
@@ -2176,7 +2176,7 @@
           <p:cNvPr id="4" name="Номер слайда 3">
             <a:extLst>
               <a:ext uri="{FF2B5EF4-FFF2-40B4-BE49-F238E27FC236}">
-                <a16:creationId xmlns="" xmlns:a16="http://schemas.microsoft.com/office/drawing/2014/main" id="{3D741E32-919B-D850-294E-0C68F815DF7F}"/>
+                <a16:creationId xmlns:a16="http://schemas.microsoft.com/office/drawing/2014/main" id="{3D741E32-919B-D850-294E-0C68F815DF7F}"/>
               </a:ext>
             </a:extLst>
           </p:cNvPr>
@@ -2235,7 +2235,7 @@
           <p:cNvPr id="2" name="Заголовок 1">
             <a:extLst>
               <a:ext uri="{FF2B5EF4-FFF2-40B4-BE49-F238E27FC236}">
-                <a16:creationId xmlns="" xmlns:a16="http://schemas.microsoft.com/office/drawing/2014/main" id="{3DE3DBB2-A8C4-764C-2460-71F7C4AA431D}"/>
+                <a16:creationId xmlns:a16="http://schemas.microsoft.com/office/drawing/2014/main" id="{3DE3DBB2-A8C4-764C-2460-71F7C4AA431D}"/>
               </a:ext>
             </a:extLst>
           </p:cNvPr>
@@ -2273,7 +2273,7 @@
           <p:cNvPr id="3" name="Объект 2">
             <a:extLst>
               <a:ext uri="{FF2B5EF4-FFF2-40B4-BE49-F238E27FC236}">
-                <a16:creationId xmlns="" xmlns:a16="http://schemas.microsoft.com/office/drawing/2014/main" id="{3F208D97-C0AF-1ED3-1E3C-DDDF9B83606F}"/>
+                <a16:creationId xmlns:a16="http://schemas.microsoft.com/office/drawing/2014/main" id="{3F208D97-C0AF-1ED3-1E3C-DDDF9B83606F}"/>
               </a:ext>
             </a:extLst>
           </p:cNvPr>
@@ -2364,7 +2364,7 @@
           <p:cNvPr id="4" name="Текст 3">
             <a:extLst>
               <a:ext uri="{FF2B5EF4-FFF2-40B4-BE49-F238E27FC236}">
-                <a16:creationId xmlns="" xmlns:a16="http://schemas.microsoft.com/office/drawing/2014/main" id="{D7823DFF-FBA4-F9ED-5206-B49A5CCCCBB4}"/>
+                <a16:creationId xmlns:a16="http://schemas.microsoft.com/office/drawing/2014/main" id="{D7823DFF-FBA4-F9ED-5206-B49A5CCCCBB4}"/>
               </a:ext>
             </a:extLst>
           </p:cNvPr>
@@ -2435,7 +2435,7 @@
           <p:cNvPr id="5" name="Дата 4">
             <a:extLst>
               <a:ext uri="{FF2B5EF4-FFF2-40B4-BE49-F238E27FC236}">
-                <a16:creationId xmlns="" xmlns:a16="http://schemas.microsoft.com/office/drawing/2014/main" id="{D3255138-F3D3-F50D-5981-09E67ED22177}"/>
+                <a16:creationId xmlns:a16="http://schemas.microsoft.com/office/drawing/2014/main" id="{D3255138-F3D3-F50D-5981-09E67ED22177}"/>
               </a:ext>
             </a:extLst>
           </p:cNvPr>
@@ -2453,7 +2453,7 @@
           <a:p>
             <a:fld id="{16444C56-C33E-40DF-9E22-53D440BA762F}" type="datetimeFigureOut">
               <a:rPr lang="aa-ET" smtClean="0"/>
-              <a:t>24/04/2023</a:t>
+              <a:t>04/24/2023</a:t>
             </a:fld>
             <a:endParaRPr lang="aa-ET"/>
           </a:p>
@@ -2464,7 +2464,7 @@
           <p:cNvPr id="6" name="Нижний колонтитул 5">
             <a:extLst>
               <a:ext uri="{FF2B5EF4-FFF2-40B4-BE49-F238E27FC236}">
-                <a16:creationId xmlns="" xmlns:a16="http://schemas.microsoft.com/office/drawing/2014/main" id="{1E4DD6BF-3B25-6B94-CE39-A3829447BCAF}"/>
+                <a16:creationId xmlns:a16="http://schemas.microsoft.com/office/drawing/2014/main" id="{1E4DD6BF-3B25-6B94-CE39-A3829447BCAF}"/>
               </a:ext>
             </a:extLst>
           </p:cNvPr>
@@ -2489,7 +2489,7 @@
           <p:cNvPr id="7" name="Номер слайда 6">
             <a:extLst>
               <a:ext uri="{FF2B5EF4-FFF2-40B4-BE49-F238E27FC236}">
-                <a16:creationId xmlns="" xmlns:a16="http://schemas.microsoft.com/office/drawing/2014/main" id="{D0088974-93E9-2C96-8B9B-8752341E648D}"/>
+                <a16:creationId xmlns:a16="http://schemas.microsoft.com/office/drawing/2014/main" id="{D0088974-93E9-2C96-8B9B-8752341E648D}"/>
               </a:ext>
             </a:extLst>
           </p:cNvPr>
@@ -2548,7 +2548,7 @@
           <p:cNvPr id="2" name="Заголовок 1">
             <a:extLst>
               <a:ext uri="{FF2B5EF4-FFF2-40B4-BE49-F238E27FC236}">
-                <a16:creationId xmlns="" xmlns:a16="http://schemas.microsoft.com/office/drawing/2014/main" id="{3CCE7531-1479-D2A4-4725-4B7DF2880BD5}"/>
+                <a16:creationId xmlns:a16="http://schemas.microsoft.com/office/drawing/2014/main" id="{3CCE7531-1479-D2A4-4725-4B7DF2880BD5}"/>
               </a:ext>
             </a:extLst>
           </p:cNvPr>
@@ -2586,7 +2586,7 @@
           <p:cNvPr id="3" name="Рисунок 2">
             <a:extLst>
               <a:ext uri="{FF2B5EF4-FFF2-40B4-BE49-F238E27FC236}">
-                <a16:creationId xmlns="" xmlns:a16="http://schemas.microsoft.com/office/drawing/2014/main" id="{83AF184F-5850-2343-6C3F-DEDB2364A7F1}"/>
+                <a16:creationId xmlns:a16="http://schemas.microsoft.com/office/drawing/2014/main" id="{83AF184F-5850-2343-6C3F-DEDB2364A7F1}"/>
               </a:ext>
             </a:extLst>
           </p:cNvPr>
@@ -2653,7 +2653,7 @@
           <p:cNvPr id="4" name="Текст 3">
             <a:extLst>
               <a:ext uri="{FF2B5EF4-FFF2-40B4-BE49-F238E27FC236}">
-                <a16:creationId xmlns="" xmlns:a16="http://schemas.microsoft.com/office/drawing/2014/main" id="{FEA9CEE0-5B5E-397C-6817-CA61D68B63E6}"/>
+                <a16:creationId xmlns:a16="http://schemas.microsoft.com/office/drawing/2014/main" id="{FEA9CEE0-5B5E-397C-6817-CA61D68B63E6}"/>
               </a:ext>
             </a:extLst>
           </p:cNvPr>
@@ -2724,7 +2724,7 @@
           <p:cNvPr id="5" name="Дата 4">
             <a:extLst>
               <a:ext uri="{FF2B5EF4-FFF2-40B4-BE49-F238E27FC236}">
-                <a16:creationId xmlns="" xmlns:a16="http://schemas.microsoft.com/office/drawing/2014/main" id="{DB16D3AE-E2E8-B7FD-E47E-FCA51591EB69}"/>
+                <a16:creationId xmlns:a16="http://schemas.microsoft.com/office/drawing/2014/main" id="{DB16D3AE-E2E8-B7FD-E47E-FCA51591EB69}"/>
               </a:ext>
             </a:extLst>
           </p:cNvPr>
@@ -2742,7 +2742,7 @@
           <a:p>
             <a:fld id="{16444C56-C33E-40DF-9E22-53D440BA762F}" type="datetimeFigureOut">
               <a:rPr lang="aa-ET" smtClean="0"/>
-              <a:t>24/04/2023</a:t>
+              <a:t>04/24/2023</a:t>
             </a:fld>
             <a:endParaRPr lang="aa-ET"/>
           </a:p>
@@ -2753,7 +2753,7 @@
           <p:cNvPr id="6" name="Нижний колонтитул 5">
             <a:extLst>
               <a:ext uri="{FF2B5EF4-FFF2-40B4-BE49-F238E27FC236}">
-                <a16:creationId xmlns="" xmlns:a16="http://schemas.microsoft.com/office/drawing/2014/main" id="{9641464D-A6C3-F0D0-7435-89D5157DD312}"/>
+                <a16:creationId xmlns:a16="http://schemas.microsoft.com/office/drawing/2014/main" id="{9641464D-A6C3-F0D0-7435-89D5157DD312}"/>
               </a:ext>
             </a:extLst>
           </p:cNvPr>
@@ -2778,7 +2778,7 @@
           <p:cNvPr id="7" name="Номер слайда 6">
             <a:extLst>
               <a:ext uri="{FF2B5EF4-FFF2-40B4-BE49-F238E27FC236}">
-                <a16:creationId xmlns="" xmlns:a16="http://schemas.microsoft.com/office/drawing/2014/main" id="{202FC748-47C6-3F68-F418-0A7E827426E4}"/>
+                <a16:creationId xmlns:a16="http://schemas.microsoft.com/office/drawing/2014/main" id="{202FC748-47C6-3F68-F418-0A7E827426E4}"/>
               </a:ext>
             </a:extLst>
           </p:cNvPr>
@@ -2842,7 +2842,7 @@
           <p:cNvPr id="8" name="Рисунок 7">
             <a:extLst>
               <a:ext uri="{FF2B5EF4-FFF2-40B4-BE49-F238E27FC236}">
-                <a16:creationId xmlns="" xmlns:a16="http://schemas.microsoft.com/office/drawing/2014/main" id="{9D5777A0-DE78-29B7-ED6C-3ACD043EEF55}"/>
+                <a16:creationId xmlns:a16="http://schemas.microsoft.com/office/drawing/2014/main" id="{9D5777A0-DE78-29B7-ED6C-3ACD043EEF55}"/>
               </a:ext>
             </a:extLst>
           </p:cNvPr>
@@ -2878,7 +2878,7 @@
           <p:cNvPr id="2" name="Заголовок 1">
             <a:extLst>
               <a:ext uri="{FF2B5EF4-FFF2-40B4-BE49-F238E27FC236}">
-                <a16:creationId xmlns="" xmlns:a16="http://schemas.microsoft.com/office/drawing/2014/main" id="{32ABEC33-7DD6-CE01-A7C5-472D51DC0133}"/>
+                <a16:creationId xmlns:a16="http://schemas.microsoft.com/office/drawing/2014/main" id="{32ABEC33-7DD6-CE01-A7C5-472D51DC0133}"/>
               </a:ext>
             </a:extLst>
           </p:cNvPr>
@@ -2917,7 +2917,7 @@
           <p:cNvPr id="3" name="Текст 2">
             <a:extLst>
               <a:ext uri="{FF2B5EF4-FFF2-40B4-BE49-F238E27FC236}">
-                <a16:creationId xmlns="" xmlns:a16="http://schemas.microsoft.com/office/drawing/2014/main" id="{9DB54441-3868-F9B5-CE81-1C8421983F2A}"/>
+                <a16:creationId xmlns:a16="http://schemas.microsoft.com/office/drawing/2014/main" id="{9DB54441-3868-F9B5-CE81-1C8421983F2A}"/>
               </a:ext>
             </a:extLst>
           </p:cNvPr>
@@ -2985,7 +2985,7 @@
           <p:cNvPr id="4" name="Дата 3">
             <a:extLst>
               <a:ext uri="{FF2B5EF4-FFF2-40B4-BE49-F238E27FC236}">
-                <a16:creationId xmlns="" xmlns:a16="http://schemas.microsoft.com/office/drawing/2014/main" id="{E0AFD82B-5424-B830-E452-12A3C87BBC9C}"/>
+                <a16:creationId xmlns:a16="http://schemas.microsoft.com/office/drawing/2014/main" id="{E0AFD82B-5424-B830-E452-12A3C87BBC9C}"/>
               </a:ext>
             </a:extLst>
           </p:cNvPr>
@@ -3021,7 +3021,7 @@
           <a:p>
             <a:fld id="{16444C56-C33E-40DF-9E22-53D440BA762F}" type="datetimeFigureOut">
               <a:rPr lang="aa-ET" smtClean="0"/>
-              <a:t>24/04/2023</a:t>
+              <a:t>04/24/2023</a:t>
             </a:fld>
             <a:endParaRPr lang="aa-ET"/>
           </a:p>
@@ -3032,7 +3032,7 @@
           <p:cNvPr id="5" name="Нижний колонтитул 4">
             <a:extLst>
               <a:ext uri="{FF2B5EF4-FFF2-40B4-BE49-F238E27FC236}">
-                <a16:creationId xmlns="" xmlns:a16="http://schemas.microsoft.com/office/drawing/2014/main" id="{1DBEB9EB-3280-D543-ADB9-BB283A709157}"/>
+                <a16:creationId xmlns:a16="http://schemas.microsoft.com/office/drawing/2014/main" id="{1DBEB9EB-3280-D543-ADB9-BB283A709157}"/>
               </a:ext>
             </a:extLst>
           </p:cNvPr>
@@ -3075,7 +3075,7 @@
           <p:cNvPr id="6" name="Номер слайда 5">
             <a:extLst>
               <a:ext uri="{FF2B5EF4-FFF2-40B4-BE49-F238E27FC236}">
-                <a16:creationId xmlns="" xmlns:a16="http://schemas.microsoft.com/office/drawing/2014/main" id="{B04EC22B-92CD-6089-D32A-768CAAC0639B}"/>
+                <a16:creationId xmlns:a16="http://schemas.microsoft.com/office/drawing/2014/main" id="{B04EC22B-92CD-6089-D32A-768CAAC0639B}"/>
               </a:ext>
             </a:extLst>
           </p:cNvPr>
@@ -3443,7 +3443,7 @@
           <p:cNvPr id="2" name="Заголовок 1">
             <a:extLst>
               <a:ext uri="{FF2B5EF4-FFF2-40B4-BE49-F238E27FC236}">
-                <a16:creationId xmlns="" xmlns:a16="http://schemas.microsoft.com/office/drawing/2014/main" id="{A95D3AF5-04C9-C3FC-200B-FF74C82ADC2F}"/>
+                <a16:creationId xmlns:a16="http://schemas.microsoft.com/office/drawing/2014/main" id="{A95D3AF5-04C9-C3FC-200B-FF74C82ADC2F}"/>
               </a:ext>
             </a:extLst>
           </p:cNvPr>
@@ -3543,7 +3543,7 @@
           <p:cNvPr id="7" name="TextBox 6">
             <a:extLst>
               <a:ext uri="{FF2B5EF4-FFF2-40B4-BE49-F238E27FC236}">
-                <a16:creationId xmlns="" xmlns:a16="http://schemas.microsoft.com/office/drawing/2014/main" id="{F1B9A3D8-C743-4D69-951A-4D8375290C72}"/>
+                <a16:creationId xmlns:a16="http://schemas.microsoft.com/office/drawing/2014/main" id="{F1B9A3D8-C743-4D69-951A-4D8375290C72}"/>
               </a:ext>
             </a:extLst>
           </p:cNvPr>
@@ -3706,7 +3706,7 @@
           <p:cNvPr id="2" name="TextBox 1">
             <a:extLst>
               <a:ext uri="{FF2B5EF4-FFF2-40B4-BE49-F238E27FC236}">
-                <a16:creationId xmlns="" xmlns:a16="http://schemas.microsoft.com/office/drawing/2014/main" id="{51C43010-6EE3-4DD2-8E98-0174223F3D41}"/>
+                <a16:creationId xmlns:a16="http://schemas.microsoft.com/office/drawing/2014/main" id="{51C43010-6EE3-4DD2-8E98-0174223F3D41}"/>
               </a:ext>
             </a:extLst>
           </p:cNvPr>
@@ -3733,17 +3733,8 @@
               <a:rPr lang="ru-RU" sz="6600" b="1" i="1" dirty="0">
                 <a:latin typeface="+mj-lt"/>
               </a:rPr>
-              <a:t>Спасибо за </a:t>
-            </a:r>
-            <a:r>
-              <a:rPr lang="ru-RU" sz="6600" b="1" i="1" dirty="0" smtClean="0">
-                <a:latin typeface="+mj-lt"/>
-              </a:rPr>
-              <a:t>внимание!</a:t>
-            </a:r>
-            <a:endParaRPr lang="ru-RU" sz="6600" b="1" i="1" dirty="0">
-              <a:latin typeface="+mj-lt"/>
-            </a:endParaRPr>
+              <a:t>Спасибо за внимание!</a:t>
+            </a:r>
           </a:p>
           <a:p>
             <a:endParaRPr lang="ru-RU" dirty="0"/>
@@ -3785,7 +3776,7 @@
           <p:cNvPr id="4" name="TextBox 3">
             <a:extLst>
               <a:ext uri="{FF2B5EF4-FFF2-40B4-BE49-F238E27FC236}">
-                <a16:creationId xmlns="" xmlns:a16="http://schemas.microsoft.com/office/drawing/2014/main" id="{9FD128C9-8917-4ED8-AAE7-938A07BC8292}"/>
+                <a16:creationId xmlns:a16="http://schemas.microsoft.com/office/drawing/2014/main" id="{9FD128C9-8917-4ED8-AAE7-938A07BC8292}"/>
               </a:ext>
             </a:extLst>
           </p:cNvPr>
@@ -3795,7 +3786,7 @@
         <p:spPr>
           <a:xfrm>
             <a:off x="581509" y="1043731"/>
-            <a:ext cx="11028981" cy="4770537"/>
+            <a:ext cx="11028981" cy="3662541"/>
           </a:xfrm>
           <a:prstGeom prst="rect">
             <a:avLst/>
@@ -3921,43 +3912,13 @@
               <a:rPr lang="ru-RU" sz="2400" i="1" dirty="0">
                 <a:latin typeface="+mj-lt"/>
               </a:rPr>
-              <a:t>Сделать удобный и быстрый поиск друга</a:t>
-            </a:r>
-          </a:p>
-          <a:p>
-            <a:pPr marL="342900" lvl="0" indent="-342900" algn="just">
-              <a:buFont typeface="Wingdings" panose="05000000000000000000" pitchFamily="2" charset="2"/>
-              <a:buChar char="§"/>
-            </a:pPr>
-            <a:r>
-              <a:rPr lang="ru-RU" sz="2400" i="1" dirty="0">
+              <a:t>Сделать удобный и быстрый </a:t>
+            </a:r>
+            <a:r>
+              <a:rPr lang="ru-RU" sz="2400" i="1">
                 <a:latin typeface="+mj-lt"/>
               </a:rPr>
-              <a:t>Создать документацию проектной работы</a:t>
-            </a:r>
-          </a:p>
-          <a:p>
-            <a:pPr marL="342900" lvl="0" indent="-342900" algn="just">
-              <a:buFont typeface="Wingdings" panose="05000000000000000000" pitchFamily="2" charset="2"/>
-              <a:buChar char="§"/>
-            </a:pPr>
-            <a:r>
-              <a:rPr lang="ru-RU" sz="2400" i="1" dirty="0">
-                <a:latin typeface="+mj-lt"/>
-              </a:rPr>
-              <a:t>Оформить проектную работу в виде презентации</a:t>
-            </a:r>
-          </a:p>
-          <a:p>
-            <a:pPr marL="342900" lvl="0" indent="-342900" algn="just">
-              <a:buFont typeface="Wingdings" panose="05000000000000000000" pitchFamily="2" charset="2"/>
-              <a:buChar char="§"/>
-            </a:pPr>
-            <a:r>
-              <a:rPr lang="ru-RU" sz="2400" i="1" dirty="0">
-                <a:latin typeface="+mj-lt"/>
-              </a:rPr>
-              <a:t>Подвести итоги</a:t>
+              <a:t>поиск друга</a:t>
             </a:r>
             <a:r>
               <a:rPr lang="ru-RU" sz="2800" i="1" dirty="0">
@@ -4004,7 +3965,7 @@
           <p:cNvPr id="2" name="TextBox 1">
             <a:extLst>
               <a:ext uri="{FF2B5EF4-FFF2-40B4-BE49-F238E27FC236}">
-                <a16:creationId xmlns="" xmlns:a16="http://schemas.microsoft.com/office/drawing/2014/main" id="{C711ABE4-EE1D-4D1F-8209-B6ABA1C6D9EB}"/>
+                <a16:creationId xmlns:a16="http://schemas.microsoft.com/office/drawing/2014/main" id="{C711ABE4-EE1D-4D1F-8209-B6ABA1C6D9EB}"/>
               </a:ext>
             </a:extLst>
           </p:cNvPr>
@@ -4041,7 +4002,7 @@
           <p:cNvPr id="1026" name="Picture 2">
             <a:extLst>
               <a:ext uri="{FF2B5EF4-FFF2-40B4-BE49-F238E27FC236}">
-                <a16:creationId xmlns="" xmlns:a16="http://schemas.microsoft.com/office/drawing/2014/main" id="{C770ED65-4993-46CD-91AA-0FB36A0FAB51}"/>
+                <a16:creationId xmlns:a16="http://schemas.microsoft.com/office/drawing/2014/main" id="{C770ED65-4993-46CD-91AA-0FB36A0FAB51}"/>
               </a:ext>
             </a:extLst>
           </p:cNvPr>
@@ -4123,7 +4084,7 @@
           <p:cNvPr id="2" name="TextBox 1">
             <a:extLst>
               <a:ext uri="{FF2B5EF4-FFF2-40B4-BE49-F238E27FC236}">
-                <a16:creationId xmlns="" xmlns:a16="http://schemas.microsoft.com/office/drawing/2014/main" id="{F8902C2B-BD9F-4DC9-9452-B25C11C2833B}"/>
+                <a16:creationId xmlns:a16="http://schemas.microsoft.com/office/drawing/2014/main" id="{F8902C2B-BD9F-4DC9-9452-B25C11C2833B}"/>
               </a:ext>
             </a:extLst>
           </p:cNvPr>
@@ -4160,7 +4121,7 @@
           <p:cNvPr id="2050" name="Picture 2">
             <a:extLst>
               <a:ext uri="{FF2B5EF4-FFF2-40B4-BE49-F238E27FC236}">
-                <a16:creationId xmlns="" xmlns:a16="http://schemas.microsoft.com/office/drawing/2014/main" id="{2ADF785E-6817-4278-A12E-904E9FF90376}"/>
+                <a16:creationId xmlns:a16="http://schemas.microsoft.com/office/drawing/2014/main" id="{2ADF785E-6817-4278-A12E-904E9FF90376}"/>
               </a:ext>
             </a:extLst>
           </p:cNvPr>
@@ -4212,7 +4173,7 @@
           <p:cNvPr id="2052" name="Picture 4">
             <a:extLst>
               <a:ext uri="{FF2B5EF4-FFF2-40B4-BE49-F238E27FC236}">
-                <a16:creationId xmlns="" xmlns:a16="http://schemas.microsoft.com/office/drawing/2014/main" id="{909B5D64-BBE3-4065-A7A0-284991ECF374}"/>
+                <a16:creationId xmlns:a16="http://schemas.microsoft.com/office/drawing/2014/main" id="{909B5D64-BBE3-4065-A7A0-284991ECF374}"/>
               </a:ext>
             </a:extLst>
           </p:cNvPr>
@@ -4294,7 +4255,7 @@
           <p:cNvPr id="3074" name="Picture 2">
             <a:extLst>
               <a:ext uri="{FF2B5EF4-FFF2-40B4-BE49-F238E27FC236}">
-                <a16:creationId xmlns="" xmlns:a16="http://schemas.microsoft.com/office/drawing/2014/main" id="{04269A2B-A180-4806-8810-3646633B9987}"/>
+                <a16:creationId xmlns:a16="http://schemas.microsoft.com/office/drawing/2014/main" id="{04269A2B-A180-4806-8810-3646633B9987}"/>
               </a:ext>
             </a:extLst>
           </p:cNvPr>
@@ -4346,7 +4307,7 @@
           <p:cNvPr id="2" name="TextBox 1">
             <a:extLst>
               <a:ext uri="{FF2B5EF4-FFF2-40B4-BE49-F238E27FC236}">
-                <a16:creationId xmlns="" xmlns:a16="http://schemas.microsoft.com/office/drawing/2014/main" id="{85E6A607-77FA-465D-A475-B5AB64A20DC0}"/>
+                <a16:creationId xmlns:a16="http://schemas.microsoft.com/office/drawing/2014/main" id="{85E6A607-77FA-465D-A475-B5AB64A20DC0}"/>
               </a:ext>
             </a:extLst>
           </p:cNvPr>
@@ -4413,7 +4374,7 @@
           <p:cNvPr id="2" name="TextBox 1">
             <a:extLst>
               <a:ext uri="{FF2B5EF4-FFF2-40B4-BE49-F238E27FC236}">
-                <a16:creationId xmlns="" xmlns:a16="http://schemas.microsoft.com/office/drawing/2014/main" id="{3AE61DF5-98D1-431B-AECB-8FEF701876DC}"/>
+                <a16:creationId xmlns:a16="http://schemas.microsoft.com/office/drawing/2014/main" id="{3AE61DF5-98D1-431B-AECB-8FEF701876DC}"/>
               </a:ext>
             </a:extLst>
           </p:cNvPr>
@@ -4450,7 +4411,7 @@
           <p:cNvPr id="4098" name="Picture 2">
             <a:extLst>
               <a:ext uri="{FF2B5EF4-FFF2-40B4-BE49-F238E27FC236}">
-                <a16:creationId xmlns="" xmlns:a16="http://schemas.microsoft.com/office/drawing/2014/main" id="{91F69D09-35D5-46D3-8631-45BDF719E37D}"/>
+                <a16:creationId xmlns:a16="http://schemas.microsoft.com/office/drawing/2014/main" id="{91F69D09-35D5-46D3-8631-45BDF719E37D}"/>
               </a:ext>
             </a:extLst>
           </p:cNvPr>
@@ -4502,7 +4463,7 @@
           <p:cNvPr id="4100" name="Picture 4">
             <a:extLst>
               <a:ext uri="{FF2B5EF4-FFF2-40B4-BE49-F238E27FC236}">
-                <a16:creationId xmlns="" xmlns:a16="http://schemas.microsoft.com/office/drawing/2014/main" id="{9AC234E1-46B3-49CB-A992-903F98FE8C13}"/>
+                <a16:creationId xmlns:a16="http://schemas.microsoft.com/office/drawing/2014/main" id="{9AC234E1-46B3-49CB-A992-903F98FE8C13}"/>
               </a:ext>
             </a:extLst>
           </p:cNvPr>
@@ -4584,7 +4545,7 @@
           <p:cNvPr id="2" name="TextBox 1">
             <a:extLst>
               <a:ext uri="{FF2B5EF4-FFF2-40B4-BE49-F238E27FC236}">
-                <a16:creationId xmlns="" xmlns:a16="http://schemas.microsoft.com/office/drawing/2014/main" id="{23995248-2A3F-431D-A027-2744AB44D673}"/>
+                <a16:creationId xmlns:a16="http://schemas.microsoft.com/office/drawing/2014/main" id="{23995248-2A3F-431D-A027-2744AB44D673}"/>
               </a:ext>
             </a:extLst>
           </p:cNvPr>
@@ -4680,7 +4641,7 @@
           <p:cNvPr id="3" name="TextBox 2">
             <a:extLst>
               <a:ext uri="{FF2B5EF4-FFF2-40B4-BE49-F238E27FC236}">
-                <a16:creationId xmlns="" xmlns:a16="http://schemas.microsoft.com/office/drawing/2014/main" id="{7AA465ED-6D63-42C4-B0EF-C830C99A33B8}"/>
+                <a16:creationId xmlns:a16="http://schemas.microsoft.com/office/drawing/2014/main" id="{7AA465ED-6D63-42C4-B0EF-C830C99A33B8}"/>
               </a:ext>
             </a:extLst>
           </p:cNvPr>
@@ -4805,7 +4766,7 @@
           <p:cNvPr id="2" name="TextBox 1">
             <a:extLst>
               <a:ext uri="{FF2B5EF4-FFF2-40B4-BE49-F238E27FC236}">
-                <a16:creationId xmlns="" xmlns:a16="http://schemas.microsoft.com/office/drawing/2014/main" id="{FFDEC8C1-00D7-4485-943A-6606881CBD1C}"/>
+                <a16:creationId xmlns:a16="http://schemas.microsoft.com/office/drawing/2014/main" id="{FFDEC8C1-00D7-4485-943A-6606881CBD1C}"/>
               </a:ext>
             </a:extLst>
           </p:cNvPr>
@@ -4842,7 +4803,7 @@
           <p:cNvPr id="3" name="TextBox 2">
             <a:extLst>
               <a:ext uri="{FF2B5EF4-FFF2-40B4-BE49-F238E27FC236}">
-                <a16:creationId xmlns="" xmlns:a16="http://schemas.microsoft.com/office/drawing/2014/main" id="{5BD170A5-419E-4031-82D9-41E389193F5B}"/>
+                <a16:creationId xmlns:a16="http://schemas.microsoft.com/office/drawing/2014/main" id="{5BD170A5-419E-4031-82D9-41E389193F5B}"/>
               </a:ext>
             </a:extLst>
           </p:cNvPr>
@@ -4877,17 +4838,8 @@
               <a:rPr lang="ru-RU" sz="3600" i="1" dirty="0">
                 <a:latin typeface="+mj-lt"/>
               </a:rPr>
-              <a:t>В </a:t>
-            </a:r>
-            <a:r>
-              <a:rPr lang="ru-RU" sz="3600" i="1" dirty="0" smtClean="0">
-                <a:latin typeface="+mj-lt"/>
-              </a:rPr>
-              <a:t>будущем мы хотим добавить фотографии к профилям пользователей и сделать бота более удобным в использовании.</a:t>
-            </a:r>
-            <a:endParaRPr lang="ru-RU" sz="3600" i="1" dirty="0">
-              <a:latin typeface="+mj-lt"/>
-            </a:endParaRPr>
+              <a:t>В будущем мы хотим добавить фотографии к профилям пользователей и сделать бота более удобным в использовании.</a:t>
+            </a:r>
           </a:p>
           <a:p>
             <a:endParaRPr lang="ru-RU" sz="3600" dirty="0">

--- a/Презентация.pptx
+++ b/Презентация.pptx
@@ -143,7 +143,7 @@
           <p:cNvPr id="8" name="Рисунок 7">
             <a:extLst>
               <a:ext uri="{FF2B5EF4-FFF2-40B4-BE49-F238E27FC236}">
-                <a16:creationId xmlns:a16="http://schemas.microsoft.com/office/drawing/2014/main" xmlns="" id="{C597A483-21F6-BDC9-5144-8583EA5FB617}"/>
+                <a16:creationId xmlns="" xmlns:a16="http://schemas.microsoft.com/office/drawing/2014/main" id="{C597A483-21F6-BDC9-5144-8583EA5FB617}"/>
               </a:ext>
             </a:extLst>
           </p:cNvPr>
@@ -179,7 +179,7 @@
           <p:cNvPr id="2" name="Заголовок 1">
             <a:extLst>
               <a:ext uri="{FF2B5EF4-FFF2-40B4-BE49-F238E27FC236}">
-                <a16:creationId xmlns:a16="http://schemas.microsoft.com/office/drawing/2014/main" xmlns="" id="{5F5A1FFA-2F9D-20BB-1E4A-2A0A1F3F6F69}"/>
+                <a16:creationId xmlns="" xmlns:a16="http://schemas.microsoft.com/office/drawing/2014/main" id="{5F5A1FFA-2F9D-20BB-1E4A-2A0A1F3F6F69}"/>
               </a:ext>
             </a:extLst>
           </p:cNvPr>
@@ -223,7 +223,7 @@
           <p:cNvPr id="3" name="Подзаголовок 2">
             <a:extLst>
               <a:ext uri="{FF2B5EF4-FFF2-40B4-BE49-F238E27FC236}">
-                <a16:creationId xmlns:a16="http://schemas.microsoft.com/office/drawing/2014/main" xmlns="" id="{2319040D-A177-5D01-5B0F-9FD13FE392F5}"/>
+                <a16:creationId xmlns="" xmlns:a16="http://schemas.microsoft.com/office/drawing/2014/main" id="{2319040D-A177-5D01-5B0F-9FD13FE392F5}"/>
               </a:ext>
             </a:extLst>
           </p:cNvPr>
@@ -298,7 +298,7 @@
           <p:cNvPr id="4" name="Дата 3">
             <a:extLst>
               <a:ext uri="{FF2B5EF4-FFF2-40B4-BE49-F238E27FC236}">
-                <a16:creationId xmlns:a16="http://schemas.microsoft.com/office/drawing/2014/main" xmlns="" id="{4BDC5D44-E179-DE8C-4CFD-9DD7AC15BDEE}"/>
+                <a16:creationId xmlns="" xmlns:a16="http://schemas.microsoft.com/office/drawing/2014/main" id="{4BDC5D44-E179-DE8C-4CFD-9DD7AC15BDEE}"/>
               </a:ext>
             </a:extLst>
           </p:cNvPr>
@@ -327,7 +327,7 @@
           <p:cNvPr id="5" name="Нижний колонтитул 4">
             <a:extLst>
               <a:ext uri="{FF2B5EF4-FFF2-40B4-BE49-F238E27FC236}">
-                <a16:creationId xmlns:a16="http://schemas.microsoft.com/office/drawing/2014/main" xmlns="" id="{FC15EF29-F06B-E9BA-434B-07254B810B7C}"/>
+                <a16:creationId xmlns="" xmlns:a16="http://schemas.microsoft.com/office/drawing/2014/main" id="{FC15EF29-F06B-E9BA-434B-07254B810B7C}"/>
               </a:ext>
             </a:extLst>
           </p:cNvPr>
@@ -352,7 +352,7 @@
           <p:cNvPr id="6" name="Номер слайда 5">
             <a:extLst>
               <a:ext uri="{FF2B5EF4-FFF2-40B4-BE49-F238E27FC236}">
-                <a16:creationId xmlns:a16="http://schemas.microsoft.com/office/drawing/2014/main" xmlns="" id="{F231155D-8395-0369-E08A-822261BCE22D}"/>
+                <a16:creationId xmlns="" xmlns:a16="http://schemas.microsoft.com/office/drawing/2014/main" id="{F231155D-8395-0369-E08A-822261BCE22D}"/>
               </a:ext>
             </a:extLst>
           </p:cNvPr>
@@ -411,7 +411,7 @@
           <p:cNvPr id="2" name="Заголовок 1">
             <a:extLst>
               <a:ext uri="{FF2B5EF4-FFF2-40B4-BE49-F238E27FC236}">
-                <a16:creationId xmlns:a16="http://schemas.microsoft.com/office/drawing/2014/main" xmlns="" id="{A57BCC74-F2E6-F4FA-DF8F-7CFF6B9C857D}"/>
+                <a16:creationId xmlns="" xmlns:a16="http://schemas.microsoft.com/office/drawing/2014/main" id="{A57BCC74-F2E6-F4FA-DF8F-7CFF6B9C857D}"/>
               </a:ext>
             </a:extLst>
           </p:cNvPr>
@@ -440,7 +440,7 @@
           <p:cNvPr id="3" name="Вертикальный текст 2">
             <a:extLst>
               <a:ext uri="{FF2B5EF4-FFF2-40B4-BE49-F238E27FC236}">
-                <a16:creationId xmlns:a16="http://schemas.microsoft.com/office/drawing/2014/main" xmlns="" id="{D9084FE2-BED9-4DFF-5338-22193479061F}"/>
+                <a16:creationId xmlns="" xmlns:a16="http://schemas.microsoft.com/office/drawing/2014/main" id="{D9084FE2-BED9-4DFF-5338-22193479061F}"/>
               </a:ext>
             </a:extLst>
           </p:cNvPr>
@@ -498,7 +498,7 @@
           <p:cNvPr id="4" name="Дата 3">
             <a:extLst>
               <a:ext uri="{FF2B5EF4-FFF2-40B4-BE49-F238E27FC236}">
-                <a16:creationId xmlns:a16="http://schemas.microsoft.com/office/drawing/2014/main" xmlns="" id="{0777FEAC-9D9A-2D9A-5605-60B1B793C043}"/>
+                <a16:creationId xmlns="" xmlns:a16="http://schemas.microsoft.com/office/drawing/2014/main" id="{0777FEAC-9D9A-2D9A-5605-60B1B793C043}"/>
               </a:ext>
             </a:extLst>
           </p:cNvPr>
@@ -527,7 +527,7 @@
           <p:cNvPr id="5" name="Нижний колонтитул 4">
             <a:extLst>
               <a:ext uri="{FF2B5EF4-FFF2-40B4-BE49-F238E27FC236}">
-                <a16:creationId xmlns:a16="http://schemas.microsoft.com/office/drawing/2014/main" xmlns="" id="{3BB4CEE2-51BF-680C-329A-B544F59237E6}"/>
+                <a16:creationId xmlns="" xmlns:a16="http://schemas.microsoft.com/office/drawing/2014/main" id="{3BB4CEE2-51BF-680C-329A-B544F59237E6}"/>
               </a:ext>
             </a:extLst>
           </p:cNvPr>
@@ -552,7 +552,7 @@
           <p:cNvPr id="6" name="Номер слайда 5">
             <a:extLst>
               <a:ext uri="{FF2B5EF4-FFF2-40B4-BE49-F238E27FC236}">
-                <a16:creationId xmlns:a16="http://schemas.microsoft.com/office/drawing/2014/main" xmlns="" id="{7EB96943-DA46-0FA1-7216-6D2D71475B5E}"/>
+                <a16:creationId xmlns="" xmlns:a16="http://schemas.microsoft.com/office/drawing/2014/main" id="{7EB96943-DA46-0FA1-7216-6D2D71475B5E}"/>
               </a:ext>
             </a:extLst>
           </p:cNvPr>
@@ -611,7 +611,7 @@
           <p:cNvPr id="2" name="Вертикальный заголовок 1">
             <a:extLst>
               <a:ext uri="{FF2B5EF4-FFF2-40B4-BE49-F238E27FC236}">
-                <a16:creationId xmlns:a16="http://schemas.microsoft.com/office/drawing/2014/main" xmlns="" id="{E167B3BC-2AF2-DCF3-FFE5-B5CCC0DF8105}"/>
+                <a16:creationId xmlns="" xmlns:a16="http://schemas.microsoft.com/office/drawing/2014/main" id="{E167B3BC-2AF2-DCF3-FFE5-B5CCC0DF8105}"/>
               </a:ext>
             </a:extLst>
           </p:cNvPr>
@@ -645,7 +645,7 @@
           <p:cNvPr id="3" name="Вертикальный текст 2">
             <a:extLst>
               <a:ext uri="{FF2B5EF4-FFF2-40B4-BE49-F238E27FC236}">
-                <a16:creationId xmlns:a16="http://schemas.microsoft.com/office/drawing/2014/main" xmlns="" id="{A3FEEA4D-B546-F3D0-8FA2-2E377D3CCA01}"/>
+                <a16:creationId xmlns="" xmlns:a16="http://schemas.microsoft.com/office/drawing/2014/main" id="{A3FEEA4D-B546-F3D0-8FA2-2E377D3CCA01}"/>
               </a:ext>
             </a:extLst>
           </p:cNvPr>
@@ -708,7 +708,7 @@
           <p:cNvPr id="4" name="Дата 3">
             <a:extLst>
               <a:ext uri="{FF2B5EF4-FFF2-40B4-BE49-F238E27FC236}">
-                <a16:creationId xmlns:a16="http://schemas.microsoft.com/office/drawing/2014/main" xmlns="" id="{D471A60E-E828-F806-2FF2-D99A490DB6FE}"/>
+                <a16:creationId xmlns="" xmlns:a16="http://schemas.microsoft.com/office/drawing/2014/main" id="{D471A60E-E828-F806-2FF2-D99A490DB6FE}"/>
               </a:ext>
             </a:extLst>
           </p:cNvPr>
@@ -737,7 +737,7 @@
           <p:cNvPr id="5" name="Нижний колонтитул 4">
             <a:extLst>
               <a:ext uri="{FF2B5EF4-FFF2-40B4-BE49-F238E27FC236}">
-                <a16:creationId xmlns:a16="http://schemas.microsoft.com/office/drawing/2014/main" xmlns="" id="{66111904-CF68-692F-0CBE-521E81203EAE}"/>
+                <a16:creationId xmlns="" xmlns:a16="http://schemas.microsoft.com/office/drawing/2014/main" id="{66111904-CF68-692F-0CBE-521E81203EAE}"/>
               </a:ext>
             </a:extLst>
           </p:cNvPr>
@@ -762,7 +762,7 @@
           <p:cNvPr id="6" name="Номер слайда 5">
             <a:extLst>
               <a:ext uri="{FF2B5EF4-FFF2-40B4-BE49-F238E27FC236}">
-                <a16:creationId xmlns:a16="http://schemas.microsoft.com/office/drawing/2014/main" xmlns="" id="{6DA30F45-DB0E-C692-AC62-BE0AA4940BBD}"/>
+                <a16:creationId xmlns="" xmlns:a16="http://schemas.microsoft.com/office/drawing/2014/main" id="{6DA30F45-DB0E-C692-AC62-BE0AA4940BBD}"/>
               </a:ext>
             </a:extLst>
           </p:cNvPr>
@@ -821,7 +821,7 @@
           <p:cNvPr id="2" name="Заголовок 1">
             <a:extLst>
               <a:ext uri="{FF2B5EF4-FFF2-40B4-BE49-F238E27FC236}">
-                <a16:creationId xmlns:a16="http://schemas.microsoft.com/office/drawing/2014/main" xmlns="" id="{4ABC4800-BD60-D9C6-E856-0B1A9BE95C61}"/>
+                <a16:creationId xmlns="" xmlns:a16="http://schemas.microsoft.com/office/drawing/2014/main" id="{4ABC4800-BD60-D9C6-E856-0B1A9BE95C61}"/>
               </a:ext>
             </a:extLst>
           </p:cNvPr>
@@ -850,7 +850,7 @@
           <p:cNvPr id="3" name="Объект 2">
             <a:extLst>
               <a:ext uri="{FF2B5EF4-FFF2-40B4-BE49-F238E27FC236}">
-                <a16:creationId xmlns:a16="http://schemas.microsoft.com/office/drawing/2014/main" xmlns="" id="{6744C6A0-F4BF-1117-729B-F19DAE2646A8}"/>
+                <a16:creationId xmlns="" xmlns:a16="http://schemas.microsoft.com/office/drawing/2014/main" id="{6744C6A0-F4BF-1117-729B-F19DAE2646A8}"/>
               </a:ext>
             </a:extLst>
           </p:cNvPr>
@@ -908,7 +908,7 @@
           <p:cNvPr id="4" name="Дата 3">
             <a:extLst>
               <a:ext uri="{FF2B5EF4-FFF2-40B4-BE49-F238E27FC236}">
-                <a16:creationId xmlns:a16="http://schemas.microsoft.com/office/drawing/2014/main" xmlns="" id="{034A0E2D-D433-449D-4BBE-8B32CE7DC8DC}"/>
+                <a16:creationId xmlns="" xmlns:a16="http://schemas.microsoft.com/office/drawing/2014/main" id="{034A0E2D-D433-449D-4BBE-8B32CE7DC8DC}"/>
               </a:ext>
             </a:extLst>
           </p:cNvPr>
@@ -937,7 +937,7 @@
           <p:cNvPr id="5" name="Нижний колонтитул 4">
             <a:extLst>
               <a:ext uri="{FF2B5EF4-FFF2-40B4-BE49-F238E27FC236}">
-                <a16:creationId xmlns:a16="http://schemas.microsoft.com/office/drawing/2014/main" xmlns="" id="{0CFD3A00-D42C-2A15-7FE6-0253B94F215F}"/>
+                <a16:creationId xmlns="" xmlns:a16="http://schemas.microsoft.com/office/drawing/2014/main" id="{0CFD3A00-D42C-2A15-7FE6-0253B94F215F}"/>
               </a:ext>
             </a:extLst>
           </p:cNvPr>
@@ -962,7 +962,7 @@
           <p:cNvPr id="6" name="Номер слайда 5">
             <a:extLst>
               <a:ext uri="{FF2B5EF4-FFF2-40B4-BE49-F238E27FC236}">
-                <a16:creationId xmlns:a16="http://schemas.microsoft.com/office/drawing/2014/main" xmlns="" id="{0420D062-5714-7D54-4D06-2626FEF6AFA7}"/>
+                <a16:creationId xmlns="" xmlns:a16="http://schemas.microsoft.com/office/drawing/2014/main" id="{0420D062-5714-7D54-4D06-2626FEF6AFA7}"/>
               </a:ext>
             </a:extLst>
           </p:cNvPr>
@@ -1021,7 +1021,7 @@
           <p:cNvPr id="2" name="Заголовок 1">
             <a:extLst>
               <a:ext uri="{FF2B5EF4-FFF2-40B4-BE49-F238E27FC236}">
-                <a16:creationId xmlns:a16="http://schemas.microsoft.com/office/drawing/2014/main" xmlns="" id="{F35F26E8-96B7-FCEB-4442-39C7A7384C25}"/>
+                <a16:creationId xmlns="" xmlns:a16="http://schemas.microsoft.com/office/drawing/2014/main" id="{F35F26E8-96B7-FCEB-4442-39C7A7384C25}"/>
               </a:ext>
             </a:extLst>
           </p:cNvPr>
@@ -1059,7 +1059,7 @@
           <p:cNvPr id="3" name="Текст 2">
             <a:extLst>
               <a:ext uri="{FF2B5EF4-FFF2-40B4-BE49-F238E27FC236}">
-                <a16:creationId xmlns:a16="http://schemas.microsoft.com/office/drawing/2014/main" xmlns="" id="{DA2598FD-1222-29D6-659D-E5DF51944243}"/>
+                <a16:creationId xmlns="" xmlns:a16="http://schemas.microsoft.com/office/drawing/2014/main" id="{DA2598FD-1222-29D6-659D-E5DF51944243}"/>
               </a:ext>
             </a:extLst>
           </p:cNvPr>
@@ -1184,7 +1184,7 @@
           <p:cNvPr id="4" name="Дата 3">
             <a:extLst>
               <a:ext uri="{FF2B5EF4-FFF2-40B4-BE49-F238E27FC236}">
-                <a16:creationId xmlns:a16="http://schemas.microsoft.com/office/drawing/2014/main" xmlns="" id="{4C6D7D94-8F05-8C58-845D-76AFA6457B15}"/>
+                <a16:creationId xmlns="" xmlns:a16="http://schemas.microsoft.com/office/drawing/2014/main" id="{4C6D7D94-8F05-8C58-845D-76AFA6457B15}"/>
               </a:ext>
             </a:extLst>
           </p:cNvPr>
@@ -1213,7 +1213,7 @@
           <p:cNvPr id="5" name="Нижний колонтитул 4">
             <a:extLst>
               <a:ext uri="{FF2B5EF4-FFF2-40B4-BE49-F238E27FC236}">
-                <a16:creationId xmlns:a16="http://schemas.microsoft.com/office/drawing/2014/main" xmlns="" id="{1833E20E-6E9E-4B44-8245-86CF00F4F573}"/>
+                <a16:creationId xmlns="" xmlns:a16="http://schemas.microsoft.com/office/drawing/2014/main" id="{1833E20E-6E9E-4B44-8245-86CF00F4F573}"/>
               </a:ext>
             </a:extLst>
           </p:cNvPr>
@@ -1238,7 +1238,7 @@
           <p:cNvPr id="6" name="Номер слайда 5">
             <a:extLst>
               <a:ext uri="{FF2B5EF4-FFF2-40B4-BE49-F238E27FC236}">
-                <a16:creationId xmlns:a16="http://schemas.microsoft.com/office/drawing/2014/main" xmlns="" id="{34E8FD6D-A9DF-AFBA-5BFB-0F2EF89FDA1D}"/>
+                <a16:creationId xmlns="" xmlns:a16="http://schemas.microsoft.com/office/drawing/2014/main" id="{34E8FD6D-A9DF-AFBA-5BFB-0F2EF89FDA1D}"/>
               </a:ext>
             </a:extLst>
           </p:cNvPr>
@@ -1297,7 +1297,7 @@
           <p:cNvPr id="2" name="Заголовок 1">
             <a:extLst>
               <a:ext uri="{FF2B5EF4-FFF2-40B4-BE49-F238E27FC236}">
-                <a16:creationId xmlns:a16="http://schemas.microsoft.com/office/drawing/2014/main" xmlns="" id="{16BF576D-0450-6EEB-F2E8-66FA8C4CEDE0}"/>
+                <a16:creationId xmlns="" xmlns:a16="http://schemas.microsoft.com/office/drawing/2014/main" id="{16BF576D-0450-6EEB-F2E8-66FA8C4CEDE0}"/>
               </a:ext>
             </a:extLst>
           </p:cNvPr>
@@ -1326,7 +1326,7 @@
           <p:cNvPr id="3" name="Объект 2">
             <a:extLst>
               <a:ext uri="{FF2B5EF4-FFF2-40B4-BE49-F238E27FC236}">
-                <a16:creationId xmlns:a16="http://schemas.microsoft.com/office/drawing/2014/main" xmlns="" id="{25018AEC-4D36-F683-C23E-677E07B04F29}"/>
+                <a16:creationId xmlns="" xmlns:a16="http://schemas.microsoft.com/office/drawing/2014/main" id="{25018AEC-4D36-F683-C23E-677E07B04F29}"/>
               </a:ext>
             </a:extLst>
           </p:cNvPr>
@@ -1389,7 +1389,7 @@
           <p:cNvPr id="4" name="Объект 3">
             <a:extLst>
               <a:ext uri="{FF2B5EF4-FFF2-40B4-BE49-F238E27FC236}">
-                <a16:creationId xmlns:a16="http://schemas.microsoft.com/office/drawing/2014/main" xmlns="" id="{E0F247A4-16DD-7B74-22EB-B21543854BBF}"/>
+                <a16:creationId xmlns="" xmlns:a16="http://schemas.microsoft.com/office/drawing/2014/main" id="{E0F247A4-16DD-7B74-22EB-B21543854BBF}"/>
               </a:ext>
             </a:extLst>
           </p:cNvPr>
@@ -1452,7 +1452,7 @@
           <p:cNvPr id="5" name="Дата 4">
             <a:extLst>
               <a:ext uri="{FF2B5EF4-FFF2-40B4-BE49-F238E27FC236}">
-                <a16:creationId xmlns:a16="http://schemas.microsoft.com/office/drawing/2014/main" xmlns="" id="{874C7B93-C94A-D8A5-48FF-277B3D8E0593}"/>
+                <a16:creationId xmlns="" xmlns:a16="http://schemas.microsoft.com/office/drawing/2014/main" id="{874C7B93-C94A-D8A5-48FF-277B3D8E0593}"/>
               </a:ext>
             </a:extLst>
           </p:cNvPr>
@@ -1481,7 +1481,7 @@
           <p:cNvPr id="6" name="Нижний колонтитул 5">
             <a:extLst>
               <a:ext uri="{FF2B5EF4-FFF2-40B4-BE49-F238E27FC236}">
-                <a16:creationId xmlns:a16="http://schemas.microsoft.com/office/drawing/2014/main" xmlns="" id="{0A114D3D-9BB4-BBDA-E91F-7267EBDB7112}"/>
+                <a16:creationId xmlns="" xmlns:a16="http://schemas.microsoft.com/office/drawing/2014/main" id="{0A114D3D-9BB4-BBDA-E91F-7267EBDB7112}"/>
               </a:ext>
             </a:extLst>
           </p:cNvPr>
@@ -1506,7 +1506,7 @@
           <p:cNvPr id="7" name="Номер слайда 6">
             <a:extLst>
               <a:ext uri="{FF2B5EF4-FFF2-40B4-BE49-F238E27FC236}">
-                <a16:creationId xmlns:a16="http://schemas.microsoft.com/office/drawing/2014/main" xmlns="" id="{9C3CD1F5-20C8-2162-F91C-DFC7A982DBBB}"/>
+                <a16:creationId xmlns="" xmlns:a16="http://schemas.microsoft.com/office/drawing/2014/main" id="{9C3CD1F5-20C8-2162-F91C-DFC7A982DBBB}"/>
               </a:ext>
             </a:extLst>
           </p:cNvPr>
@@ -1565,7 +1565,7 @@
           <p:cNvPr id="2" name="Заголовок 1">
             <a:extLst>
               <a:ext uri="{FF2B5EF4-FFF2-40B4-BE49-F238E27FC236}">
-                <a16:creationId xmlns:a16="http://schemas.microsoft.com/office/drawing/2014/main" xmlns="" id="{DC442B8F-2309-B81C-D23A-6BB0A57984F0}"/>
+                <a16:creationId xmlns="" xmlns:a16="http://schemas.microsoft.com/office/drawing/2014/main" id="{DC442B8F-2309-B81C-D23A-6BB0A57984F0}"/>
               </a:ext>
             </a:extLst>
           </p:cNvPr>
@@ -1599,7 +1599,7 @@
           <p:cNvPr id="3" name="Текст 2">
             <a:extLst>
               <a:ext uri="{FF2B5EF4-FFF2-40B4-BE49-F238E27FC236}">
-                <a16:creationId xmlns:a16="http://schemas.microsoft.com/office/drawing/2014/main" xmlns="" id="{F90DC337-50F2-43FC-59E9-195A4C6D45B7}"/>
+                <a16:creationId xmlns="" xmlns:a16="http://schemas.microsoft.com/office/drawing/2014/main" id="{F90DC337-50F2-43FC-59E9-195A4C6D45B7}"/>
               </a:ext>
             </a:extLst>
           </p:cNvPr>
@@ -1670,7 +1670,7 @@
           <p:cNvPr id="4" name="Объект 3">
             <a:extLst>
               <a:ext uri="{FF2B5EF4-FFF2-40B4-BE49-F238E27FC236}">
-                <a16:creationId xmlns:a16="http://schemas.microsoft.com/office/drawing/2014/main" xmlns="" id="{11E870E2-0FED-FFF1-B1F1-FF13724E0726}"/>
+                <a16:creationId xmlns="" xmlns:a16="http://schemas.microsoft.com/office/drawing/2014/main" id="{11E870E2-0FED-FFF1-B1F1-FF13724E0726}"/>
               </a:ext>
             </a:extLst>
           </p:cNvPr>
@@ -1733,7 +1733,7 @@
           <p:cNvPr id="5" name="Текст 4">
             <a:extLst>
               <a:ext uri="{FF2B5EF4-FFF2-40B4-BE49-F238E27FC236}">
-                <a16:creationId xmlns:a16="http://schemas.microsoft.com/office/drawing/2014/main" xmlns="" id="{820DF6B5-889A-3EDA-D84E-16380F66416D}"/>
+                <a16:creationId xmlns="" xmlns:a16="http://schemas.microsoft.com/office/drawing/2014/main" id="{820DF6B5-889A-3EDA-D84E-16380F66416D}"/>
               </a:ext>
             </a:extLst>
           </p:cNvPr>
@@ -1804,7 +1804,7 @@
           <p:cNvPr id="6" name="Объект 5">
             <a:extLst>
               <a:ext uri="{FF2B5EF4-FFF2-40B4-BE49-F238E27FC236}">
-                <a16:creationId xmlns:a16="http://schemas.microsoft.com/office/drawing/2014/main" xmlns="" id="{23ACA0AA-DFDF-B3A4-8F76-5343C5EB4C3E}"/>
+                <a16:creationId xmlns="" xmlns:a16="http://schemas.microsoft.com/office/drawing/2014/main" id="{23ACA0AA-DFDF-B3A4-8F76-5343C5EB4C3E}"/>
               </a:ext>
             </a:extLst>
           </p:cNvPr>
@@ -1867,7 +1867,7 @@
           <p:cNvPr id="7" name="Дата 6">
             <a:extLst>
               <a:ext uri="{FF2B5EF4-FFF2-40B4-BE49-F238E27FC236}">
-                <a16:creationId xmlns:a16="http://schemas.microsoft.com/office/drawing/2014/main" xmlns="" id="{CCDF22CA-337C-4509-8D09-A41EDF494EB3}"/>
+                <a16:creationId xmlns="" xmlns:a16="http://schemas.microsoft.com/office/drawing/2014/main" id="{CCDF22CA-337C-4509-8D09-A41EDF494EB3}"/>
               </a:ext>
             </a:extLst>
           </p:cNvPr>
@@ -1896,7 +1896,7 @@
           <p:cNvPr id="8" name="Нижний колонтитул 7">
             <a:extLst>
               <a:ext uri="{FF2B5EF4-FFF2-40B4-BE49-F238E27FC236}">
-                <a16:creationId xmlns:a16="http://schemas.microsoft.com/office/drawing/2014/main" xmlns="" id="{BE6ACAB1-9047-582D-32DE-DB12629F3BCD}"/>
+                <a16:creationId xmlns="" xmlns:a16="http://schemas.microsoft.com/office/drawing/2014/main" id="{BE6ACAB1-9047-582D-32DE-DB12629F3BCD}"/>
               </a:ext>
             </a:extLst>
           </p:cNvPr>
@@ -1921,7 +1921,7 @@
           <p:cNvPr id="9" name="Номер слайда 8">
             <a:extLst>
               <a:ext uri="{FF2B5EF4-FFF2-40B4-BE49-F238E27FC236}">
-                <a16:creationId xmlns:a16="http://schemas.microsoft.com/office/drawing/2014/main" xmlns="" id="{4FCC141F-672E-040E-BAE4-78238870E512}"/>
+                <a16:creationId xmlns="" xmlns:a16="http://schemas.microsoft.com/office/drawing/2014/main" id="{4FCC141F-672E-040E-BAE4-78238870E512}"/>
               </a:ext>
             </a:extLst>
           </p:cNvPr>
@@ -1980,7 +1980,7 @@
           <p:cNvPr id="2" name="Заголовок 1">
             <a:extLst>
               <a:ext uri="{FF2B5EF4-FFF2-40B4-BE49-F238E27FC236}">
-                <a16:creationId xmlns:a16="http://schemas.microsoft.com/office/drawing/2014/main" xmlns="" id="{A0CA070D-29CE-98AF-E38D-113E05C60F1D}"/>
+                <a16:creationId xmlns="" xmlns:a16="http://schemas.microsoft.com/office/drawing/2014/main" id="{A0CA070D-29CE-98AF-E38D-113E05C60F1D}"/>
               </a:ext>
             </a:extLst>
           </p:cNvPr>
@@ -2009,7 +2009,7 @@
           <p:cNvPr id="3" name="Дата 2">
             <a:extLst>
               <a:ext uri="{FF2B5EF4-FFF2-40B4-BE49-F238E27FC236}">
-                <a16:creationId xmlns:a16="http://schemas.microsoft.com/office/drawing/2014/main" xmlns="" id="{6BEE49F4-4C75-82EE-F42C-1F9BD3072C52}"/>
+                <a16:creationId xmlns="" xmlns:a16="http://schemas.microsoft.com/office/drawing/2014/main" id="{6BEE49F4-4C75-82EE-F42C-1F9BD3072C52}"/>
               </a:ext>
             </a:extLst>
           </p:cNvPr>
@@ -2038,7 +2038,7 @@
           <p:cNvPr id="4" name="Нижний колонтитул 3">
             <a:extLst>
               <a:ext uri="{FF2B5EF4-FFF2-40B4-BE49-F238E27FC236}">
-                <a16:creationId xmlns:a16="http://schemas.microsoft.com/office/drawing/2014/main" xmlns="" id="{040F3652-8425-936F-6D03-7E368FBBAE93}"/>
+                <a16:creationId xmlns="" xmlns:a16="http://schemas.microsoft.com/office/drawing/2014/main" id="{040F3652-8425-936F-6D03-7E368FBBAE93}"/>
               </a:ext>
             </a:extLst>
           </p:cNvPr>
@@ -2063,7 +2063,7 @@
           <p:cNvPr id="5" name="Номер слайда 4">
             <a:extLst>
               <a:ext uri="{FF2B5EF4-FFF2-40B4-BE49-F238E27FC236}">
-                <a16:creationId xmlns:a16="http://schemas.microsoft.com/office/drawing/2014/main" xmlns="" id="{FC5A42AF-CB7C-4425-A4E3-7502DB93AE98}"/>
+                <a16:creationId xmlns="" xmlns:a16="http://schemas.microsoft.com/office/drawing/2014/main" id="{FC5A42AF-CB7C-4425-A4E3-7502DB93AE98}"/>
               </a:ext>
             </a:extLst>
           </p:cNvPr>
@@ -2122,7 +2122,7 @@
           <p:cNvPr id="2" name="Дата 1">
             <a:extLst>
               <a:ext uri="{FF2B5EF4-FFF2-40B4-BE49-F238E27FC236}">
-                <a16:creationId xmlns:a16="http://schemas.microsoft.com/office/drawing/2014/main" xmlns="" id="{F934BBA6-CE0D-6455-6BC2-7C28F83B5059}"/>
+                <a16:creationId xmlns="" xmlns:a16="http://schemas.microsoft.com/office/drawing/2014/main" id="{F934BBA6-CE0D-6455-6BC2-7C28F83B5059}"/>
               </a:ext>
             </a:extLst>
           </p:cNvPr>
@@ -2151,7 +2151,7 @@
           <p:cNvPr id="3" name="Нижний колонтитул 2">
             <a:extLst>
               <a:ext uri="{FF2B5EF4-FFF2-40B4-BE49-F238E27FC236}">
-                <a16:creationId xmlns:a16="http://schemas.microsoft.com/office/drawing/2014/main" xmlns="" id="{4EC3E260-8A7E-27FF-743E-9658DDAF477E}"/>
+                <a16:creationId xmlns="" xmlns:a16="http://schemas.microsoft.com/office/drawing/2014/main" id="{4EC3E260-8A7E-27FF-743E-9658DDAF477E}"/>
               </a:ext>
             </a:extLst>
           </p:cNvPr>
@@ -2176,7 +2176,7 @@
           <p:cNvPr id="4" name="Номер слайда 3">
             <a:extLst>
               <a:ext uri="{FF2B5EF4-FFF2-40B4-BE49-F238E27FC236}">
-                <a16:creationId xmlns:a16="http://schemas.microsoft.com/office/drawing/2014/main" xmlns="" id="{3D741E32-919B-D850-294E-0C68F815DF7F}"/>
+                <a16:creationId xmlns="" xmlns:a16="http://schemas.microsoft.com/office/drawing/2014/main" id="{3D741E32-919B-D850-294E-0C68F815DF7F}"/>
               </a:ext>
             </a:extLst>
           </p:cNvPr>
@@ -2235,7 +2235,7 @@
           <p:cNvPr id="2" name="Заголовок 1">
             <a:extLst>
               <a:ext uri="{FF2B5EF4-FFF2-40B4-BE49-F238E27FC236}">
-                <a16:creationId xmlns:a16="http://schemas.microsoft.com/office/drawing/2014/main" xmlns="" id="{3DE3DBB2-A8C4-764C-2460-71F7C4AA431D}"/>
+                <a16:creationId xmlns="" xmlns:a16="http://schemas.microsoft.com/office/drawing/2014/main" id="{3DE3DBB2-A8C4-764C-2460-71F7C4AA431D}"/>
               </a:ext>
             </a:extLst>
           </p:cNvPr>
@@ -2273,7 +2273,7 @@
           <p:cNvPr id="3" name="Объект 2">
             <a:extLst>
               <a:ext uri="{FF2B5EF4-FFF2-40B4-BE49-F238E27FC236}">
-                <a16:creationId xmlns:a16="http://schemas.microsoft.com/office/drawing/2014/main" xmlns="" id="{3F208D97-C0AF-1ED3-1E3C-DDDF9B83606F}"/>
+                <a16:creationId xmlns="" xmlns:a16="http://schemas.microsoft.com/office/drawing/2014/main" id="{3F208D97-C0AF-1ED3-1E3C-DDDF9B83606F}"/>
               </a:ext>
             </a:extLst>
           </p:cNvPr>
@@ -2364,7 +2364,7 @@
           <p:cNvPr id="4" name="Текст 3">
             <a:extLst>
               <a:ext uri="{FF2B5EF4-FFF2-40B4-BE49-F238E27FC236}">
-                <a16:creationId xmlns:a16="http://schemas.microsoft.com/office/drawing/2014/main" xmlns="" id="{D7823DFF-FBA4-F9ED-5206-B49A5CCCCBB4}"/>
+                <a16:creationId xmlns="" xmlns:a16="http://schemas.microsoft.com/office/drawing/2014/main" id="{D7823DFF-FBA4-F9ED-5206-B49A5CCCCBB4}"/>
               </a:ext>
             </a:extLst>
           </p:cNvPr>
@@ -2435,7 +2435,7 @@
           <p:cNvPr id="5" name="Дата 4">
             <a:extLst>
               <a:ext uri="{FF2B5EF4-FFF2-40B4-BE49-F238E27FC236}">
-                <a16:creationId xmlns:a16="http://schemas.microsoft.com/office/drawing/2014/main" xmlns="" id="{D3255138-F3D3-F50D-5981-09E67ED22177}"/>
+                <a16:creationId xmlns="" xmlns:a16="http://schemas.microsoft.com/office/drawing/2014/main" id="{D3255138-F3D3-F50D-5981-09E67ED22177}"/>
               </a:ext>
             </a:extLst>
           </p:cNvPr>
@@ -2464,7 +2464,7 @@
           <p:cNvPr id="6" name="Нижний колонтитул 5">
             <a:extLst>
               <a:ext uri="{FF2B5EF4-FFF2-40B4-BE49-F238E27FC236}">
-                <a16:creationId xmlns:a16="http://schemas.microsoft.com/office/drawing/2014/main" xmlns="" id="{1E4DD6BF-3B25-6B94-CE39-A3829447BCAF}"/>
+                <a16:creationId xmlns="" xmlns:a16="http://schemas.microsoft.com/office/drawing/2014/main" id="{1E4DD6BF-3B25-6B94-CE39-A3829447BCAF}"/>
               </a:ext>
             </a:extLst>
           </p:cNvPr>
@@ -2489,7 +2489,7 @@
           <p:cNvPr id="7" name="Номер слайда 6">
             <a:extLst>
               <a:ext uri="{FF2B5EF4-FFF2-40B4-BE49-F238E27FC236}">
-                <a16:creationId xmlns:a16="http://schemas.microsoft.com/office/drawing/2014/main" xmlns="" id="{D0088974-93E9-2C96-8B9B-8752341E648D}"/>
+                <a16:creationId xmlns="" xmlns:a16="http://schemas.microsoft.com/office/drawing/2014/main" id="{D0088974-93E9-2C96-8B9B-8752341E648D}"/>
               </a:ext>
             </a:extLst>
           </p:cNvPr>
@@ -2548,7 +2548,7 @@
           <p:cNvPr id="2" name="Заголовок 1">
             <a:extLst>
               <a:ext uri="{FF2B5EF4-FFF2-40B4-BE49-F238E27FC236}">
-                <a16:creationId xmlns:a16="http://schemas.microsoft.com/office/drawing/2014/main" xmlns="" id="{3CCE7531-1479-D2A4-4725-4B7DF2880BD5}"/>
+                <a16:creationId xmlns="" xmlns:a16="http://schemas.microsoft.com/office/drawing/2014/main" id="{3CCE7531-1479-D2A4-4725-4B7DF2880BD5}"/>
               </a:ext>
             </a:extLst>
           </p:cNvPr>
@@ -2586,7 +2586,7 @@
           <p:cNvPr id="3" name="Рисунок 2">
             <a:extLst>
               <a:ext uri="{FF2B5EF4-FFF2-40B4-BE49-F238E27FC236}">
-                <a16:creationId xmlns:a16="http://schemas.microsoft.com/office/drawing/2014/main" xmlns="" id="{83AF184F-5850-2343-6C3F-DEDB2364A7F1}"/>
+                <a16:creationId xmlns="" xmlns:a16="http://schemas.microsoft.com/office/drawing/2014/main" id="{83AF184F-5850-2343-6C3F-DEDB2364A7F1}"/>
               </a:ext>
             </a:extLst>
           </p:cNvPr>
@@ -2653,7 +2653,7 @@
           <p:cNvPr id="4" name="Текст 3">
             <a:extLst>
               <a:ext uri="{FF2B5EF4-FFF2-40B4-BE49-F238E27FC236}">
-                <a16:creationId xmlns:a16="http://schemas.microsoft.com/office/drawing/2014/main" xmlns="" id="{FEA9CEE0-5B5E-397C-6817-CA61D68B63E6}"/>
+                <a16:creationId xmlns="" xmlns:a16="http://schemas.microsoft.com/office/drawing/2014/main" id="{FEA9CEE0-5B5E-397C-6817-CA61D68B63E6}"/>
               </a:ext>
             </a:extLst>
           </p:cNvPr>
@@ -2724,7 +2724,7 @@
           <p:cNvPr id="5" name="Дата 4">
             <a:extLst>
               <a:ext uri="{FF2B5EF4-FFF2-40B4-BE49-F238E27FC236}">
-                <a16:creationId xmlns:a16="http://schemas.microsoft.com/office/drawing/2014/main" xmlns="" id="{DB16D3AE-E2E8-B7FD-E47E-FCA51591EB69}"/>
+                <a16:creationId xmlns="" xmlns:a16="http://schemas.microsoft.com/office/drawing/2014/main" id="{DB16D3AE-E2E8-B7FD-E47E-FCA51591EB69}"/>
               </a:ext>
             </a:extLst>
           </p:cNvPr>
@@ -2753,7 +2753,7 @@
           <p:cNvPr id="6" name="Нижний колонтитул 5">
             <a:extLst>
               <a:ext uri="{FF2B5EF4-FFF2-40B4-BE49-F238E27FC236}">
-                <a16:creationId xmlns:a16="http://schemas.microsoft.com/office/drawing/2014/main" xmlns="" id="{9641464D-A6C3-F0D0-7435-89D5157DD312}"/>
+                <a16:creationId xmlns="" xmlns:a16="http://schemas.microsoft.com/office/drawing/2014/main" id="{9641464D-A6C3-F0D0-7435-89D5157DD312}"/>
               </a:ext>
             </a:extLst>
           </p:cNvPr>
@@ -2778,7 +2778,7 @@
           <p:cNvPr id="7" name="Номер слайда 6">
             <a:extLst>
               <a:ext uri="{FF2B5EF4-FFF2-40B4-BE49-F238E27FC236}">
-                <a16:creationId xmlns:a16="http://schemas.microsoft.com/office/drawing/2014/main" xmlns="" id="{202FC748-47C6-3F68-F418-0A7E827426E4}"/>
+                <a16:creationId xmlns="" xmlns:a16="http://schemas.microsoft.com/office/drawing/2014/main" id="{202FC748-47C6-3F68-F418-0A7E827426E4}"/>
               </a:ext>
             </a:extLst>
           </p:cNvPr>
@@ -2842,7 +2842,7 @@
           <p:cNvPr id="8" name="Рисунок 7">
             <a:extLst>
               <a:ext uri="{FF2B5EF4-FFF2-40B4-BE49-F238E27FC236}">
-                <a16:creationId xmlns:a16="http://schemas.microsoft.com/office/drawing/2014/main" xmlns="" id="{9D5777A0-DE78-29B7-ED6C-3ACD043EEF55}"/>
+                <a16:creationId xmlns="" xmlns:a16="http://schemas.microsoft.com/office/drawing/2014/main" id="{9D5777A0-DE78-29B7-ED6C-3ACD043EEF55}"/>
               </a:ext>
             </a:extLst>
           </p:cNvPr>
@@ -2878,7 +2878,7 @@
           <p:cNvPr id="2" name="Заголовок 1">
             <a:extLst>
               <a:ext uri="{FF2B5EF4-FFF2-40B4-BE49-F238E27FC236}">
-                <a16:creationId xmlns:a16="http://schemas.microsoft.com/office/drawing/2014/main" xmlns="" id="{32ABEC33-7DD6-CE01-A7C5-472D51DC0133}"/>
+                <a16:creationId xmlns="" xmlns:a16="http://schemas.microsoft.com/office/drawing/2014/main" id="{32ABEC33-7DD6-CE01-A7C5-472D51DC0133}"/>
               </a:ext>
             </a:extLst>
           </p:cNvPr>
@@ -2917,7 +2917,7 @@
           <p:cNvPr id="3" name="Текст 2">
             <a:extLst>
               <a:ext uri="{FF2B5EF4-FFF2-40B4-BE49-F238E27FC236}">
-                <a16:creationId xmlns:a16="http://schemas.microsoft.com/office/drawing/2014/main" xmlns="" id="{9DB54441-3868-F9B5-CE81-1C8421983F2A}"/>
+                <a16:creationId xmlns="" xmlns:a16="http://schemas.microsoft.com/office/drawing/2014/main" id="{9DB54441-3868-F9B5-CE81-1C8421983F2A}"/>
               </a:ext>
             </a:extLst>
           </p:cNvPr>
@@ -2985,7 +2985,7 @@
           <p:cNvPr id="4" name="Дата 3">
             <a:extLst>
               <a:ext uri="{FF2B5EF4-FFF2-40B4-BE49-F238E27FC236}">
-                <a16:creationId xmlns:a16="http://schemas.microsoft.com/office/drawing/2014/main" xmlns="" id="{E0AFD82B-5424-B830-E452-12A3C87BBC9C}"/>
+                <a16:creationId xmlns="" xmlns:a16="http://schemas.microsoft.com/office/drawing/2014/main" id="{E0AFD82B-5424-B830-E452-12A3C87BBC9C}"/>
               </a:ext>
             </a:extLst>
           </p:cNvPr>
@@ -3032,7 +3032,7 @@
           <p:cNvPr id="5" name="Нижний колонтитул 4">
             <a:extLst>
               <a:ext uri="{FF2B5EF4-FFF2-40B4-BE49-F238E27FC236}">
-                <a16:creationId xmlns:a16="http://schemas.microsoft.com/office/drawing/2014/main" xmlns="" id="{1DBEB9EB-3280-D543-ADB9-BB283A709157}"/>
+                <a16:creationId xmlns="" xmlns:a16="http://schemas.microsoft.com/office/drawing/2014/main" id="{1DBEB9EB-3280-D543-ADB9-BB283A709157}"/>
               </a:ext>
             </a:extLst>
           </p:cNvPr>
@@ -3075,7 +3075,7 @@
           <p:cNvPr id="6" name="Номер слайда 5">
             <a:extLst>
               <a:ext uri="{FF2B5EF4-FFF2-40B4-BE49-F238E27FC236}">
-                <a16:creationId xmlns:a16="http://schemas.microsoft.com/office/drawing/2014/main" xmlns="" id="{B04EC22B-92CD-6089-D32A-768CAAC0639B}"/>
+                <a16:creationId xmlns="" xmlns:a16="http://schemas.microsoft.com/office/drawing/2014/main" id="{B04EC22B-92CD-6089-D32A-768CAAC0639B}"/>
               </a:ext>
             </a:extLst>
           </p:cNvPr>
@@ -3443,7 +3443,7 @@
           <p:cNvPr id="2" name="Заголовок 1">
             <a:extLst>
               <a:ext uri="{FF2B5EF4-FFF2-40B4-BE49-F238E27FC236}">
-                <a16:creationId xmlns:a16="http://schemas.microsoft.com/office/drawing/2014/main" xmlns="" id="{A95D3AF5-04C9-C3FC-200B-FF74C82ADC2F}"/>
+                <a16:creationId xmlns="" xmlns:a16="http://schemas.microsoft.com/office/drawing/2014/main" id="{A95D3AF5-04C9-C3FC-200B-FF74C82ADC2F}"/>
               </a:ext>
             </a:extLst>
           </p:cNvPr>
@@ -3543,7 +3543,7 @@
           <p:cNvPr id="7" name="TextBox 6">
             <a:extLst>
               <a:ext uri="{FF2B5EF4-FFF2-40B4-BE49-F238E27FC236}">
-                <a16:creationId xmlns:a16="http://schemas.microsoft.com/office/drawing/2014/main" xmlns="" id="{F1B9A3D8-C743-4D69-951A-4D8375290C72}"/>
+                <a16:creationId xmlns="" xmlns:a16="http://schemas.microsoft.com/office/drawing/2014/main" id="{F1B9A3D8-C743-4D69-951A-4D8375290C72}"/>
               </a:ext>
             </a:extLst>
           </p:cNvPr>
@@ -3706,7 +3706,7 @@
           <p:cNvPr id="2" name="TextBox 1">
             <a:extLst>
               <a:ext uri="{FF2B5EF4-FFF2-40B4-BE49-F238E27FC236}">
-                <a16:creationId xmlns:a16="http://schemas.microsoft.com/office/drawing/2014/main" xmlns="" id="{51C43010-6EE3-4DD2-8E98-0174223F3D41}"/>
+                <a16:creationId xmlns="" xmlns:a16="http://schemas.microsoft.com/office/drawing/2014/main" id="{51C43010-6EE3-4DD2-8E98-0174223F3D41}"/>
               </a:ext>
             </a:extLst>
           </p:cNvPr>
@@ -3785,7 +3785,7 @@
           <p:cNvPr id="4" name="TextBox 3">
             <a:extLst>
               <a:ext uri="{FF2B5EF4-FFF2-40B4-BE49-F238E27FC236}">
-                <a16:creationId xmlns:a16="http://schemas.microsoft.com/office/drawing/2014/main" xmlns="" id="{9FD128C9-8917-4ED8-AAE7-938A07BC8292}"/>
+                <a16:creationId xmlns="" xmlns:a16="http://schemas.microsoft.com/office/drawing/2014/main" id="{9FD128C9-8917-4ED8-AAE7-938A07BC8292}"/>
               </a:ext>
             </a:extLst>
           </p:cNvPr>
@@ -4004,7 +4004,7 @@
           <p:cNvPr id="2" name="TextBox 1">
             <a:extLst>
               <a:ext uri="{FF2B5EF4-FFF2-40B4-BE49-F238E27FC236}">
-                <a16:creationId xmlns:a16="http://schemas.microsoft.com/office/drawing/2014/main" xmlns="" id="{C711ABE4-EE1D-4D1F-8209-B6ABA1C6D9EB}"/>
+                <a16:creationId xmlns="" xmlns:a16="http://schemas.microsoft.com/office/drawing/2014/main" id="{C711ABE4-EE1D-4D1F-8209-B6ABA1C6D9EB}"/>
               </a:ext>
             </a:extLst>
           </p:cNvPr>
@@ -4041,7 +4041,7 @@
           <p:cNvPr id="1026" name="Picture 2">
             <a:extLst>
               <a:ext uri="{FF2B5EF4-FFF2-40B4-BE49-F238E27FC236}">
-                <a16:creationId xmlns:a16="http://schemas.microsoft.com/office/drawing/2014/main" xmlns="" id="{C770ED65-4993-46CD-91AA-0FB36A0FAB51}"/>
+                <a16:creationId xmlns="" xmlns:a16="http://schemas.microsoft.com/office/drawing/2014/main" id="{C770ED65-4993-46CD-91AA-0FB36A0FAB51}"/>
               </a:ext>
             </a:extLst>
           </p:cNvPr>
@@ -4123,7 +4123,7 @@
           <p:cNvPr id="2" name="TextBox 1">
             <a:extLst>
               <a:ext uri="{FF2B5EF4-FFF2-40B4-BE49-F238E27FC236}">
-                <a16:creationId xmlns:a16="http://schemas.microsoft.com/office/drawing/2014/main" xmlns="" id="{F8902C2B-BD9F-4DC9-9452-B25C11C2833B}"/>
+                <a16:creationId xmlns="" xmlns:a16="http://schemas.microsoft.com/office/drawing/2014/main" id="{F8902C2B-BD9F-4DC9-9452-B25C11C2833B}"/>
               </a:ext>
             </a:extLst>
           </p:cNvPr>
@@ -4160,7 +4160,7 @@
           <p:cNvPr id="2050" name="Picture 2">
             <a:extLst>
               <a:ext uri="{FF2B5EF4-FFF2-40B4-BE49-F238E27FC236}">
-                <a16:creationId xmlns:a16="http://schemas.microsoft.com/office/drawing/2014/main" xmlns="" id="{2ADF785E-6817-4278-A12E-904E9FF90376}"/>
+                <a16:creationId xmlns="" xmlns:a16="http://schemas.microsoft.com/office/drawing/2014/main" id="{2ADF785E-6817-4278-A12E-904E9FF90376}"/>
               </a:ext>
             </a:extLst>
           </p:cNvPr>
@@ -4212,7 +4212,7 @@
           <p:cNvPr id="2052" name="Picture 4">
             <a:extLst>
               <a:ext uri="{FF2B5EF4-FFF2-40B4-BE49-F238E27FC236}">
-                <a16:creationId xmlns:a16="http://schemas.microsoft.com/office/drawing/2014/main" xmlns="" id="{909B5D64-BBE3-4065-A7A0-284991ECF374}"/>
+                <a16:creationId xmlns="" xmlns:a16="http://schemas.microsoft.com/office/drawing/2014/main" id="{909B5D64-BBE3-4065-A7A0-284991ECF374}"/>
               </a:ext>
             </a:extLst>
           </p:cNvPr>
@@ -4294,7 +4294,7 @@
           <p:cNvPr id="3074" name="Picture 2">
             <a:extLst>
               <a:ext uri="{FF2B5EF4-FFF2-40B4-BE49-F238E27FC236}">
-                <a16:creationId xmlns:a16="http://schemas.microsoft.com/office/drawing/2014/main" xmlns="" id="{04269A2B-A180-4806-8810-3646633B9987}"/>
+                <a16:creationId xmlns="" xmlns:a16="http://schemas.microsoft.com/office/drawing/2014/main" id="{04269A2B-A180-4806-8810-3646633B9987}"/>
               </a:ext>
             </a:extLst>
           </p:cNvPr>
@@ -4346,7 +4346,7 @@
           <p:cNvPr id="2" name="TextBox 1">
             <a:extLst>
               <a:ext uri="{FF2B5EF4-FFF2-40B4-BE49-F238E27FC236}">
-                <a16:creationId xmlns:a16="http://schemas.microsoft.com/office/drawing/2014/main" xmlns="" id="{85E6A607-77FA-465D-A475-B5AB64A20DC0}"/>
+                <a16:creationId xmlns="" xmlns:a16="http://schemas.microsoft.com/office/drawing/2014/main" id="{85E6A607-77FA-465D-A475-B5AB64A20DC0}"/>
               </a:ext>
             </a:extLst>
           </p:cNvPr>
@@ -4413,7 +4413,7 @@
           <p:cNvPr id="2" name="TextBox 1">
             <a:extLst>
               <a:ext uri="{FF2B5EF4-FFF2-40B4-BE49-F238E27FC236}">
-                <a16:creationId xmlns:a16="http://schemas.microsoft.com/office/drawing/2014/main" xmlns="" id="{3AE61DF5-98D1-431B-AECB-8FEF701876DC}"/>
+                <a16:creationId xmlns="" xmlns:a16="http://schemas.microsoft.com/office/drawing/2014/main" id="{3AE61DF5-98D1-431B-AECB-8FEF701876DC}"/>
               </a:ext>
             </a:extLst>
           </p:cNvPr>
@@ -4450,7 +4450,7 @@
           <p:cNvPr id="4098" name="Picture 2">
             <a:extLst>
               <a:ext uri="{FF2B5EF4-FFF2-40B4-BE49-F238E27FC236}">
-                <a16:creationId xmlns:a16="http://schemas.microsoft.com/office/drawing/2014/main" xmlns="" id="{91F69D09-35D5-46D3-8631-45BDF719E37D}"/>
+                <a16:creationId xmlns="" xmlns:a16="http://schemas.microsoft.com/office/drawing/2014/main" id="{91F69D09-35D5-46D3-8631-45BDF719E37D}"/>
               </a:ext>
             </a:extLst>
           </p:cNvPr>
@@ -4502,7 +4502,7 @@
           <p:cNvPr id="4100" name="Picture 4">
             <a:extLst>
               <a:ext uri="{FF2B5EF4-FFF2-40B4-BE49-F238E27FC236}">
-                <a16:creationId xmlns:a16="http://schemas.microsoft.com/office/drawing/2014/main" xmlns="" id="{9AC234E1-46B3-49CB-A992-903F98FE8C13}"/>
+                <a16:creationId xmlns="" xmlns:a16="http://schemas.microsoft.com/office/drawing/2014/main" id="{9AC234E1-46B3-49CB-A992-903F98FE8C13}"/>
               </a:ext>
             </a:extLst>
           </p:cNvPr>
@@ -4584,7 +4584,7 @@
           <p:cNvPr id="2" name="TextBox 1">
             <a:extLst>
               <a:ext uri="{FF2B5EF4-FFF2-40B4-BE49-F238E27FC236}">
-                <a16:creationId xmlns:a16="http://schemas.microsoft.com/office/drawing/2014/main" xmlns="" id="{23995248-2A3F-431D-A027-2744AB44D673}"/>
+                <a16:creationId xmlns="" xmlns:a16="http://schemas.microsoft.com/office/drawing/2014/main" id="{23995248-2A3F-431D-A027-2744AB44D673}"/>
               </a:ext>
             </a:extLst>
           </p:cNvPr>
@@ -4680,7 +4680,7 @@
           <p:cNvPr id="3" name="TextBox 2">
             <a:extLst>
               <a:ext uri="{FF2B5EF4-FFF2-40B4-BE49-F238E27FC236}">
-                <a16:creationId xmlns:a16="http://schemas.microsoft.com/office/drawing/2014/main" xmlns="" id="{7AA465ED-6D63-42C4-B0EF-C830C99A33B8}"/>
+                <a16:creationId xmlns="" xmlns:a16="http://schemas.microsoft.com/office/drawing/2014/main" id="{7AA465ED-6D63-42C4-B0EF-C830C99A33B8}"/>
               </a:ext>
             </a:extLst>
           </p:cNvPr>
@@ -4805,7 +4805,7 @@
           <p:cNvPr id="2" name="TextBox 1">
             <a:extLst>
               <a:ext uri="{FF2B5EF4-FFF2-40B4-BE49-F238E27FC236}">
-                <a16:creationId xmlns:a16="http://schemas.microsoft.com/office/drawing/2014/main" xmlns="" id="{FFDEC8C1-00D7-4485-943A-6606881CBD1C}"/>
+                <a16:creationId xmlns="" xmlns:a16="http://schemas.microsoft.com/office/drawing/2014/main" id="{FFDEC8C1-00D7-4485-943A-6606881CBD1C}"/>
               </a:ext>
             </a:extLst>
           </p:cNvPr>
@@ -4842,7 +4842,7 @@
           <p:cNvPr id="3" name="TextBox 2">
             <a:extLst>
               <a:ext uri="{FF2B5EF4-FFF2-40B4-BE49-F238E27FC236}">
-                <a16:creationId xmlns:a16="http://schemas.microsoft.com/office/drawing/2014/main" xmlns="" id="{5BD170A5-419E-4031-82D9-41E389193F5B}"/>
+                <a16:creationId xmlns="" xmlns:a16="http://schemas.microsoft.com/office/drawing/2014/main" id="{5BD170A5-419E-4031-82D9-41E389193F5B}"/>
               </a:ext>
             </a:extLst>
           </p:cNvPr>
